--- a/Assignment/Assignment 5-Jiahui_Yang.pptx
+++ b/Assignment/Assignment 5-Jiahui_Yang.pptx
@@ -5,17 +5,22 @@
     <p:sldMasterId id="2147483648" r:id="rId1"/>
   </p:sldMasterIdLst>
   <p:notesMasterIdLst>
-    <p:notesMasterId r:id="rId10"/>
+    <p:notesMasterId r:id="rId15"/>
   </p:notesMasterIdLst>
   <p:sldIdLst>
     <p:sldId id="256" r:id="rId2"/>
     <p:sldId id="257" r:id="rId3"/>
-    <p:sldId id="258" r:id="rId4"/>
-    <p:sldId id="262" r:id="rId5"/>
-    <p:sldId id="263" r:id="rId6"/>
-    <p:sldId id="259" r:id="rId7"/>
-    <p:sldId id="260" r:id="rId8"/>
-    <p:sldId id="261" r:id="rId9"/>
+    <p:sldId id="264" r:id="rId4"/>
+    <p:sldId id="265" r:id="rId5"/>
+    <p:sldId id="266" r:id="rId6"/>
+    <p:sldId id="268" r:id="rId7"/>
+    <p:sldId id="258" r:id="rId8"/>
+    <p:sldId id="267" r:id="rId9"/>
+    <p:sldId id="262" r:id="rId10"/>
+    <p:sldId id="263" r:id="rId11"/>
+    <p:sldId id="259" r:id="rId12"/>
+    <p:sldId id="260" r:id="rId13"/>
+    <p:sldId id="261" r:id="rId14"/>
   </p:sldIdLst>
   <p:sldSz cx="9144000" cy="5143500" type="screen16x9"/>
   <p:notesSz cx="6858000" cy="9144000"/>
@@ -264,7 +269,7 @@
       </p15:sldGuideLst>
     </p:ext>
     <p:ext uri="GoogleSlidesCustomDataVersion2">
-      <go:slidesCustomData xmlns:go="http://customooxmlschemas.google.com/" xmlns:ahyp="http://schemas.microsoft.com/office/drawing/2018/hyperlinkcolor" xmlns:p15="http://schemas.microsoft.com/office/powerpoint/2012/main" xmlns:p14="http://schemas.microsoft.com/office/powerpoint/2010/main" xmlns:com="http://schemas.openxmlformats.org/drawingml/2006/compatibility" xmlns:pvml="urn:schemas-microsoft-com:office:powerpoint" xmlns:v="urn:schemas-microsoft-com:vml" xmlns:o="urn:schemas-microsoft-com:office:office" xmlns:dgm="http://schemas.openxmlformats.org/drawingml/2006/diagram" xmlns:c="http://schemas.openxmlformats.org/drawingml/2006/chart" xmlns:mv="urn:schemas-microsoft-com:mac:vml" xmlns:mc="http://schemas.openxmlformats.org/markup-compatibility/2006" xmlns="" r:id="rId14" roundtripDataSignature="AMtx7mj2vlPlYJyQ+Ye10S9AoINL2ARvTA=="/>
+      <go:slidesCustomData xmlns="" xmlns:mc="http://schemas.openxmlformats.org/markup-compatibility/2006" xmlns:mv="urn:schemas-microsoft-com:mac:vml" xmlns:c="http://schemas.openxmlformats.org/drawingml/2006/chart" xmlns:dgm="http://schemas.openxmlformats.org/drawingml/2006/diagram" xmlns:o="urn:schemas-microsoft-com:office:office" xmlns:v="urn:schemas-microsoft-com:vml" xmlns:pvml="urn:schemas-microsoft-com:office:powerpoint" xmlns:com="http://schemas.openxmlformats.org/drawingml/2006/compatibility" xmlns:p14="http://schemas.microsoft.com/office/powerpoint/2010/main" xmlns:p15="http://schemas.microsoft.com/office/powerpoint/2012/main" xmlns:ahyp="http://schemas.microsoft.com/office/drawing/2018/hyperlinkcolor" xmlns:go="http://customooxmlschemas.google.com/" r:id="rId16" roundtripDataSignature="AMtx7mj2vlPlYJyQ+Ye10S9AoINL2ARvTA=="/>
     </p:ext>
   </p:extLst>
 </p:presentation>
@@ -286,7 +291,7 @@
         <p15:threadingInfo xmlns:p15="http://schemas.microsoft.com/office/powerpoint/2012/main" timeZoneBias="0"/>
       </p:ext>
       <p:ext uri="http://customooxmlschemas.google.com/">
-        <go:slidesCustomData xmlns:go="http://customooxmlschemas.google.com/" xmlns:ahyp="http://schemas.microsoft.com/office/drawing/2018/hyperlinkcolor" xmlns:p15="http://schemas.microsoft.com/office/powerpoint/2012/main" xmlns:p14="http://schemas.microsoft.com/office/powerpoint/2010/main" xmlns:com="http://schemas.openxmlformats.org/drawingml/2006/compatibility" xmlns:pvml="urn:schemas-microsoft-com:office:powerpoint" xmlns:v="urn:schemas-microsoft-com:vml" xmlns:o="urn:schemas-microsoft-com:office:office" xmlns:dgm="http://schemas.openxmlformats.org/drawingml/2006/diagram" xmlns:c="http://schemas.openxmlformats.org/drawingml/2006/chart" xmlns:mv="urn:schemas-microsoft-com:mac:vml" xmlns:mc="http://schemas.openxmlformats.org/markup-compatibility/2006" xmlns="" commentPostId="AAABRFpwMvQ"/>
+        <go:slidesCustomData xmlns="" xmlns:mc="http://schemas.openxmlformats.org/markup-compatibility/2006" xmlns:mv="urn:schemas-microsoft-com:mac:vml" xmlns:c="http://schemas.openxmlformats.org/drawingml/2006/chart" xmlns:dgm="http://schemas.openxmlformats.org/drawingml/2006/diagram" xmlns:o="urn:schemas-microsoft-com:office:office" xmlns:v="urn:schemas-microsoft-com:vml" xmlns:pvml="urn:schemas-microsoft-com:office:powerpoint" xmlns:com="http://schemas.openxmlformats.org/drawingml/2006/compatibility" xmlns:p14="http://schemas.microsoft.com/office/powerpoint/2010/main" xmlns:p15="http://schemas.microsoft.com/office/powerpoint/2012/main" xmlns:ahyp="http://schemas.microsoft.com/office/drawing/2018/hyperlinkcolor" xmlns:go="http://customooxmlschemas.google.com/" commentPostId="AAABRFpwMvQ"/>
       </p:ext>
     </p:extLst>
   </p:cm>
@@ -298,7 +303,7 @@
         <p15:threadingInfo xmlns:p15="http://schemas.microsoft.com/office/powerpoint/2012/main" timeZoneBias="0"/>
       </p:ext>
       <p:ext uri="http://customooxmlschemas.google.com/">
-        <go:slidesCustomData xmlns:go="http://customooxmlschemas.google.com/" xmlns:ahyp="http://schemas.microsoft.com/office/drawing/2018/hyperlinkcolor" xmlns:p15="http://schemas.microsoft.com/office/powerpoint/2012/main" xmlns:p14="http://schemas.microsoft.com/office/powerpoint/2010/main" xmlns:com="http://schemas.openxmlformats.org/drawingml/2006/compatibility" xmlns:pvml="urn:schemas-microsoft-com:office:powerpoint" xmlns:v="urn:schemas-microsoft-com:vml" xmlns:o="urn:schemas-microsoft-com:office:office" xmlns:dgm="http://schemas.openxmlformats.org/drawingml/2006/diagram" xmlns:c="http://schemas.openxmlformats.org/drawingml/2006/chart" xmlns:mv="urn:schemas-microsoft-com:mac:vml" xmlns:mc="http://schemas.openxmlformats.org/markup-compatibility/2006" xmlns="" commentPostId="AAABRFpwMvU"/>
+        <go:slidesCustomData xmlns="" xmlns:mc="http://schemas.openxmlformats.org/markup-compatibility/2006" xmlns:mv="urn:schemas-microsoft-com:mac:vml" xmlns:c="http://schemas.openxmlformats.org/drawingml/2006/chart" xmlns:dgm="http://schemas.openxmlformats.org/drawingml/2006/diagram" xmlns:o="urn:schemas-microsoft-com:office:office" xmlns:v="urn:schemas-microsoft-com:vml" xmlns:pvml="urn:schemas-microsoft-com:office:powerpoint" xmlns:com="http://schemas.openxmlformats.org/drawingml/2006/compatibility" xmlns:p14="http://schemas.microsoft.com/office/powerpoint/2010/main" xmlns:p15="http://schemas.microsoft.com/office/powerpoint/2012/main" xmlns:ahyp="http://schemas.microsoft.com/office/drawing/2018/hyperlinkcolor" xmlns:go="http://customooxmlschemas.google.com/" commentPostId="AAABRFpwMvU"/>
       </p:ext>
     </p:extLst>
   </p:cm>
@@ -1006,6 +1011,499 @@
 </p:notes>
 </file>
 
+<file path=ppt/notesSlides/notesSlide10.xml><?xml version="1.0" encoding="utf-8"?>
+<p:notes xmlns:a="http://schemas.openxmlformats.org/drawingml/2006/main" xmlns:r="http://schemas.openxmlformats.org/officeDocument/2006/relationships" xmlns:p="http://schemas.openxmlformats.org/presentationml/2006/main" showMasterSp="0" showMasterPhAnim="0">
+  <p:cSld>
+    <p:spTree>
+      <p:nvGrpSpPr>
+        <p:cNvPr id="1" name="Shape 64"/>
+        <p:cNvGrpSpPr/>
+        <p:nvPr/>
+      </p:nvGrpSpPr>
+      <p:grpSpPr>
+        <a:xfrm>
+          <a:off x="0" y="0"/>
+          <a:ext cx="0" cy="0"/>
+          <a:chOff x="0" y="0"/>
+          <a:chExt cx="0" cy="0"/>
+        </a:xfrm>
+      </p:grpSpPr>
+      <p:sp>
+        <p:nvSpPr>
+          <p:cNvPr id="65" name="Google Shape;65;p3:notes"/>
+          <p:cNvSpPr>
+            <a:spLocks noGrp="1" noRot="1" noChangeAspect="1"/>
+          </p:cNvSpPr>
+          <p:nvPr>
+            <p:ph type="sldImg" idx="2"/>
+          </p:nvPr>
+        </p:nvSpPr>
+        <p:spPr>
+          <a:xfrm>
+            <a:off x="381000" y="685800"/>
+            <a:ext cx="6096000" cy="3429000"/>
+          </a:xfrm>
+          <a:custGeom>
+            <a:avLst/>
+            <a:gdLst/>
+            <a:ahLst/>
+            <a:cxnLst/>
+            <a:rect l="l" t="t" r="r" b="b"/>
+            <a:pathLst>
+              <a:path w="120000" h="120000" extrusionOk="0">
+                <a:moveTo>
+                  <a:pt x="0" y="0"/>
+                </a:moveTo>
+                <a:lnTo>
+                  <a:pt x="120000" y="0"/>
+                </a:lnTo>
+                <a:lnTo>
+                  <a:pt x="120000" y="120000"/>
+                </a:lnTo>
+                <a:lnTo>
+                  <a:pt x="0" y="120000"/>
+                </a:lnTo>
+                <a:close/>
+              </a:path>
+            </a:pathLst>
+          </a:custGeom>
+          <a:noFill/>
+          <a:ln w="9525" cap="flat" cmpd="sng">
+            <a:solidFill>
+              <a:srgbClr val="000000"/>
+            </a:solidFill>
+            <a:prstDash val="solid"/>
+            <a:round/>
+            <a:headEnd type="none" w="sm" len="sm"/>
+            <a:tailEnd type="none" w="sm" len="sm"/>
+          </a:ln>
+        </p:spPr>
+      </p:sp>
+      <p:sp>
+        <p:nvSpPr>
+          <p:cNvPr id="66" name="Google Shape;66;p3:notes"/>
+          <p:cNvSpPr txBox="1">
+            <a:spLocks noGrp="1"/>
+          </p:cNvSpPr>
+          <p:nvPr>
+            <p:ph type="body" idx="1"/>
+          </p:nvPr>
+        </p:nvSpPr>
+        <p:spPr>
+          <a:xfrm>
+            <a:off x="685800" y="4343400"/>
+            <a:ext cx="5486400" cy="4114800"/>
+          </a:xfrm>
+          <a:prstGeom prst="rect">
+            <a:avLst/>
+          </a:prstGeom>
+          <a:noFill/>
+          <a:ln>
+            <a:noFill/>
+          </a:ln>
+        </p:spPr>
+        <p:txBody>
+          <a:bodyPr spcFirstLastPara="1" wrap="square" lIns="91425" tIns="91425" rIns="91425" bIns="91425" anchor="t" anchorCtr="0">
+            <a:noAutofit/>
+          </a:bodyPr>
+          <a:lstStyle/>
+          <a:p>
+            <a:pPr marL="0" lvl="0" indent="0" algn="l" rtl="0">
+              <a:lnSpc>
+                <a:spcPct val="100000"/>
+              </a:lnSpc>
+              <a:spcBef>
+                <a:spcPts val="0"/>
+              </a:spcBef>
+              <a:spcAft>
+                <a:spcPts val="0"/>
+              </a:spcAft>
+              <a:buSzPts val="1100"/>
+              <a:buNone/>
+            </a:pPr>
+            <a:endParaRPr/>
+          </a:p>
+        </p:txBody>
+      </p:sp>
+    </p:spTree>
+    <p:extLst>
+      <p:ext uri="{BB962C8B-B14F-4D97-AF65-F5344CB8AC3E}">
+        <p14:creationId xmlns:p14="http://schemas.microsoft.com/office/powerpoint/2010/main" val="480378981"/>
+      </p:ext>
+    </p:extLst>
+  </p:cSld>
+  <p:clrMapOvr>
+    <a:masterClrMapping/>
+  </p:clrMapOvr>
+</p:notes>
+</file>
+
+<file path=ppt/notesSlides/notesSlide11.xml><?xml version="1.0" encoding="utf-8"?>
+<p:notes xmlns:a="http://schemas.openxmlformats.org/drawingml/2006/main" xmlns:r="http://schemas.openxmlformats.org/officeDocument/2006/relationships" xmlns:p="http://schemas.openxmlformats.org/presentationml/2006/main" showMasterSp="0" showMasterPhAnim="0">
+  <p:cSld>
+    <p:spTree>
+      <p:nvGrpSpPr>
+        <p:cNvPr id="1" name="Shape 71"/>
+        <p:cNvGrpSpPr/>
+        <p:nvPr/>
+      </p:nvGrpSpPr>
+      <p:grpSpPr>
+        <a:xfrm>
+          <a:off x="0" y="0"/>
+          <a:ext cx="0" cy="0"/>
+          <a:chOff x="0" y="0"/>
+          <a:chExt cx="0" cy="0"/>
+        </a:xfrm>
+      </p:grpSpPr>
+      <p:sp>
+        <p:nvSpPr>
+          <p:cNvPr id="72" name="Google Shape;72;p4:notes"/>
+          <p:cNvSpPr>
+            <a:spLocks noGrp="1" noRot="1" noChangeAspect="1"/>
+          </p:cNvSpPr>
+          <p:nvPr>
+            <p:ph type="sldImg" idx="2"/>
+          </p:nvPr>
+        </p:nvSpPr>
+        <p:spPr>
+          <a:xfrm>
+            <a:off x="381000" y="685800"/>
+            <a:ext cx="6096000" cy="3429000"/>
+          </a:xfrm>
+          <a:custGeom>
+            <a:avLst/>
+            <a:gdLst/>
+            <a:ahLst/>
+            <a:cxnLst/>
+            <a:rect l="l" t="t" r="r" b="b"/>
+            <a:pathLst>
+              <a:path w="120000" h="120000" extrusionOk="0">
+                <a:moveTo>
+                  <a:pt x="0" y="0"/>
+                </a:moveTo>
+                <a:lnTo>
+                  <a:pt x="120000" y="0"/>
+                </a:lnTo>
+                <a:lnTo>
+                  <a:pt x="120000" y="120000"/>
+                </a:lnTo>
+                <a:lnTo>
+                  <a:pt x="0" y="120000"/>
+                </a:lnTo>
+                <a:close/>
+              </a:path>
+            </a:pathLst>
+          </a:custGeom>
+          <a:noFill/>
+          <a:ln w="9525" cap="flat" cmpd="sng">
+            <a:solidFill>
+              <a:srgbClr val="000000"/>
+            </a:solidFill>
+            <a:prstDash val="solid"/>
+            <a:round/>
+            <a:headEnd type="none" w="sm" len="sm"/>
+            <a:tailEnd type="none" w="sm" len="sm"/>
+          </a:ln>
+        </p:spPr>
+      </p:sp>
+      <p:sp>
+        <p:nvSpPr>
+          <p:cNvPr id="73" name="Google Shape;73;p4:notes"/>
+          <p:cNvSpPr txBox="1">
+            <a:spLocks noGrp="1"/>
+          </p:cNvSpPr>
+          <p:nvPr>
+            <p:ph type="body" idx="1"/>
+          </p:nvPr>
+        </p:nvSpPr>
+        <p:spPr>
+          <a:xfrm>
+            <a:off x="685800" y="4343400"/>
+            <a:ext cx="5486400" cy="4114800"/>
+          </a:xfrm>
+          <a:prstGeom prst="rect">
+            <a:avLst/>
+          </a:prstGeom>
+          <a:noFill/>
+          <a:ln>
+            <a:noFill/>
+          </a:ln>
+        </p:spPr>
+        <p:txBody>
+          <a:bodyPr spcFirstLastPara="1" wrap="square" lIns="91425" tIns="91425" rIns="91425" bIns="91425" anchor="t" anchorCtr="0">
+            <a:noAutofit/>
+          </a:bodyPr>
+          <a:lstStyle/>
+          <a:p>
+            <a:pPr marL="0" lvl="0" indent="0" algn="l" rtl="0">
+              <a:lnSpc>
+                <a:spcPct val="100000"/>
+              </a:lnSpc>
+              <a:spcBef>
+                <a:spcPts val="0"/>
+              </a:spcBef>
+              <a:spcAft>
+                <a:spcPts val="0"/>
+              </a:spcAft>
+              <a:buSzPts val="1100"/>
+              <a:buNone/>
+            </a:pPr>
+            <a:endParaRPr/>
+          </a:p>
+        </p:txBody>
+      </p:sp>
+    </p:spTree>
+  </p:cSld>
+  <p:clrMapOvr>
+    <a:masterClrMapping/>
+  </p:clrMapOvr>
+</p:notes>
+</file>
+
+<file path=ppt/notesSlides/notesSlide12.xml><?xml version="1.0" encoding="utf-8"?>
+<p:notes xmlns:a="http://schemas.openxmlformats.org/drawingml/2006/main" xmlns:r="http://schemas.openxmlformats.org/officeDocument/2006/relationships" xmlns:p="http://schemas.openxmlformats.org/presentationml/2006/main" showMasterSp="0" showMasterPhAnim="0">
+  <p:cSld>
+    <p:spTree>
+      <p:nvGrpSpPr>
+        <p:cNvPr id="1" name="Shape 78"/>
+        <p:cNvGrpSpPr/>
+        <p:nvPr/>
+      </p:nvGrpSpPr>
+      <p:grpSpPr>
+        <a:xfrm>
+          <a:off x="0" y="0"/>
+          <a:ext cx="0" cy="0"/>
+          <a:chOff x="0" y="0"/>
+          <a:chExt cx="0" cy="0"/>
+        </a:xfrm>
+      </p:grpSpPr>
+      <p:sp>
+        <p:nvSpPr>
+          <p:cNvPr id="79" name="Google Shape;79;p5:notes"/>
+          <p:cNvSpPr>
+            <a:spLocks noGrp="1" noRot="1" noChangeAspect="1"/>
+          </p:cNvSpPr>
+          <p:nvPr>
+            <p:ph type="sldImg" idx="2"/>
+          </p:nvPr>
+        </p:nvSpPr>
+        <p:spPr>
+          <a:xfrm>
+            <a:off x="381000" y="685800"/>
+            <a:ext cx="6096000" cy="3429000"/>
+          </a:xfrm>
+          <a:custGeom>
+            <a:avLst/>
+            <a:gdLst/>
+            <a:ahLst/>
+            <a:cxnLst/>
+            <a:rect l="l" t="t" r="r" b="b"/>
+            <a:pathLst>
+              <a:path w="120000" h="120000" extrusionOk="0">
+                <a:moveTo>
+                  <a:pt x="0" y="0"/>
+                </a:moveTo>
+                <a:lnTo>
+                  <a:pt x="120000" y="0"/>
+                </a:lnTo>
+                <a:lnTo>
+                  <a:pt x="120000" y="120000"/>
+                </a:lnTo>
+                <a:lnTo>
+                  <a:pt x="0" y="120000"/>
+                </a:lnTo>
+                <a:close/>
+              </a:path>
+            </a:pathLst>
+          </a:custGeom>
+          <a:noFill/>
+          <a:ln w="9525" cap="flat" cmpd="sng">
+            <a:solidFill>
+              <a:srgbClr val="000000"/>
+            </a:solidFill>
+            <a:prstDash val="solid"/>
+            <a:round/>
+            <a:headEnd type="none" w="sm" len="sm"/>
+            <a:tailEnd type="none" w="sm" len="sm"/>
+          </a:ln>
+        </p:spPr>
+      </p:sp>
+      <p:sp>
+        <p:nvSpPr>
+          <p:cNvPr id="80" name="Google Shape;80;p5:notes"/>
+          <p:cNvSpPr txBox="1">
+            <a:spLocks noGrp="1"/>
+          </p:cNvSpPr>
+          <p:nvPr>
+            <p:ph type="body" idx="1"/>
+          </p:nvPr>
+        </p:nvSpPr>
+        <p:spPr>
+          <a:xfrm>
+            <a:off x="685800" y="4343400"/>
+            <a:ext cx="5486400" cy="4114800"/>
+          </a:xfrm>
+          <a:prstGeom prst="rect">
+            <a:avLst/>
+          </a:prstGeom>
+          <a:noFill/>
+          <a:ln>
+            <a:noFill/>
+          </a:ln>
+        </p:spPr>
+        <p:txBody>
+          <a:bodyPr spcFirstLastPara="1" wrap="square" lIns="91425" tIns="91425" rIns="91425" bIns="91425" anchor="t" anchorCtr="0">
+            <a:noAutofit/>
+          </a:bodyPr>
+          <a:lstStyle/>
+          <a:p>
+            <a:pPr marL="0" lvl="0" indent="0" algn="l" rtl="0">
+              <a:lnSpc>
+                <a:spcPct val="100000"/>
+              </a:lnSpc>
+              <a:spcBef>
+                <a:spcPts val="0"/>
+              </a:spcBef>
+              <a:spcAft>
+                <a:spcPts val="0"/>
+              </a:spcAft>
+              <a:buSzPts val="1100"/>
+              <a:buNone/>
+            </a:pPr>
+            <a:endParaRPr/>
+          </a:p>
+        </p:txBody>
+      </p:sp>
+    </p:spTree>
+  </p:cSld>
+  <p:clrMapOvr>
+    <a:masterClrMapping/>
+  </p:clrMapOvr>
+</p:notes>
+</file>
+
+<file path=ppt/notesSlides/notesSlide13.xml><?xml version="1.0" encoding="utf-8"?>
+<p:notes xmlns:a="http://schemas.openxmlformats.org/drawingml/2006/main" xmlns:r="http://schemas.openxmlformats.org/officeDocument/2006/relationships" xmlns:p="http://schemas.openxmlformats.org/presentationml/2006/main" showMasterSp="0" showMasterPhAnim="0">
+  <p:cSld>
+    <p:spTree>
+      <p:nvGrpSpPr>
+        <p:cNvPr id="1" name="Shape 85"/>
+        <p:cNvGrpSpPr/>
+        <p:nvPr/>
+      </p:nvGrpSpPr>
+      <p:grpSpPr>
+        <a:xfrm>
+          <a:off x="0" y="0"/>
+          <a:ext cx="0" cy="0"/>
+          <a:chOff x="0" y="0"/>
+          <a:chExt cx="0" cy="0"/>
+        </a:xfrm>
+      </p:grpSpPr>
+      <p:sp>
+        <p:nvSpPr>
+          <p:cNvPr id="86" name="Google Shape;86;p6:notes"/>
+          <p:cNvSpPr>
+            <a:spLocks noGrp="1" noRot="1" noChangeAspect="1"/>
+          </p:cNvSpPr>
+          <p:nvPr>
+            <p:ph type="sldImg" idx="2"/>
+          </p:nvPr>
+        </p:nvSpPr>
+        <p:spPr>
+          <a:xfrm>
+            <a:off x="381000" y="685800"/>
+            <a:ext cx="6096000" cy="3429000"/>
+          </a:xfrm>
+          <a:custGeom>
+            <a:avLst/>
+            <a:gdLst/>
+            <a:ahLst/>
+            <a:cxnLst/>
+            <a:rect l="l" t="t" r="r" b="b"/>
+            <a:pathLst>
+              <a:path w="120000" h="120000" extrusionOk="0">
+                <a:moveTo>
+                  <a:pt x="0" y="0"/>
+                </a:moveTo>
+                <a:lnTo>
+                  <a:pt x="120000" y="0"/>
+                </a:lnTo>
+                <a:lnTo>
+                  <a:pt x="120000" y="120000"/>
+                </a:lnTo>
+                <a:lnTo>
+                  <a:pt x="0" y="120000"/>
+                </a:lnTo>
+                <a:close/>
+              </a:path>
+            </a:pathLst>
+          </a:custGeom>
+          <a:noFill/>
+          <a:ln w="9525" cap="flat" cmpd="sng">
+            <a:solidFill>
+              <a:srgbClr val="000000"/>
+            </a:solidFill>
+            <a:prstDash val="solid"/>
+            <a:round/>
+            <a:headEnd type="none" w="sm" len="sm"/>
+            <a:tailEnd type="none" w="sm" len="sm"/>
+          </a:ln>
+        </p:spPr>
+      </p:sp>
+      <p:sp>
+        <p:nvSpPr>
+          <p:cNvPr id="87" name="Google Shape;87;p6:notes"/>
+          <p:cNvSpPr txBox="1">
+            <a:spLocks noGrp="1"/>
+          </p:cNvSpPr>
+          <p:nvPr>
+            <p:ph type="body" idx="1"/>
+          </p:nvPr>
+        </p:nvSpPr>
+        <p:spPr>
+          <a:xfrm>
+            <a:off x="685800" y="4343400"/>
+            <a:ext cx="5486400" cy="4114800"/>
+          </a:xfrm>
+          <a:prstGeom prst="rect">
+            <a:avLst/>
+          </a:prstGeom>
+          <a:noFill/>
+          <a:ln>
+            <a:noFill/>
+          </a:ln>
+        </p:spPr>
+        <p:txBody>
+          <a:bodyPr spcFirstLastPara="1" wrap="square" lIns="91425" tIns="91425" rIns="91425" bIns="91425" anchor="t" anchorCtr="0">
+            <a:noAutofit/>
+          </a:bodyPr>
+          <a:lstStyle/>
+          <a:p>
+            <a:pPr marL="0" lvl="0" indent="0" algn="l" rtl="0">
+              <a:lnSpc>
+                <a:spcPct val="100000"/>
+              </a:lnSpc>
+              <a:spcBef>
+                <a:spcPts val="0"/>
+              </a:spcBef>
+              <a:spcAft>
+                <a:spcPts val="0"/>
+              </a:spcAft>
+              <a:buSzPts val="1100"/>
+              <a:buNone/>
+            </a:pPr>
+            <a:endParaRPr/>
+          </a:p>
+        </p:txBody>
+      </p:sp>
+    </p:spTree>
+  </p:cSld>
+  <p:clrMapOvr>
+    <a:masterClrMapping/>
+  </p:clrMapOvr>
+</p:notes>
+</file>
+
 <file path=ppt/notesSlides/notesSlide2.xml><?xml version="1.0" encoding="utf-8"?>
 <p:notes xmlns:a="http://schemas.openxmlformats.org/drawingml/2006/main" xmlns:r="http://schemas.openxmlformats.org/officeDocument/2006/relationships" xmlns:p="http://schemas.openxmlformats.org/presentationml/2006/main" showMasterSp="0" showMasterPhAnim="0">
   <p:cSld>
@@ -1243,6 +1741,11 @@
         </p:txBody>
       </p:sp>
     </p:spTree>
+    <p:extLst>
+      <p:ext uri="{BB962C8B-B14F-4D97-AF65-F5344CB8AC3E}">
+        <p14:creationId xmlns:p14="http://schemas.microsoft.com/office/powerpoint/2010/main" val="1882273693"/>
+      </p:ext>
+    </p:extLst>
   </p:cSld>
   <p:clrMapOvr>
     <a:masterClrMapping/>
@@ -1367,7 +1870,7 @@
     </p:spTree>
     <p:extLst>
       <p:ext uri="{BB962C8B-B14F-4D97-AF65-F5344CB8AC3E}">
-        <p14:creationId xmlns:p14="http://schemas.microsoft.com/office/powerpoint/2010/main" val="2191148957"/>
+        <p14:creationId xmlns:p14="http://schemas.microsoft.com/office/powerpoint/2010/main" val="1170762636"/>
       </p:ext>
     </p:extLst>
   </p:cSld>
@@ -1494,7 +1997,7 @@
     </p:spTree>
     <p:extLst>
       <p:ext uri="{BB962C8B-B14F-4D97-AF65-F5344CB8AC3E}">
-        <p14:creationId xmlns:p14="http://schemas.microsoft.com/office/powerpoint/2010/main" val="480378981"/>
+        <p14:creationId xmlns:p14="http://schemas.microsoft.com/office/powerpoint/2010/main" val="304845931"/>
       </p:ext>
     </p:extLst>
   </p:cSld>
@@ -1509,7 +2012,7 @@
   <p:cSld>
     <p:spTree>
       <p:nvGrpSpPr>
-        <p:cNvPr id="1" name="Shape 71"/>
+        <p:cNvPr id="1" name="Shape 64"/>
         <p:cNvGrpSpPr/>
         <p:nvPr/>
       </p:nvGrpSpPr>
@@ -1523,7 +2026,7 @@
       </p:grpSpPr>
       <p:sp>
         <p:nvSpPr>
-          <p:cNvPr id="72" name="Google Shape;72;p4:notes"/>
+          <p:cNvPr id="65" name="Google Shape;65;p3:notes"/>
           <p:cNvSpPr>
             <a:spLocks noGrp="1" noRot="1" noChangeAspect="1"/>
           </p:cNvSpPr>
@@ -1574,7 +2077,7 @@
       </p:sp>
       <p:sp>
         <p:nvSpPr>
-          <p:cNvPr id="73" name="Google Shape;73;p4:notes"/>
+          <p:cNvPr id="66" name="Google Shape;66;p3:notes"/>
           <p:cNvSpPr txBox="1">
             <a:spLocks noGrp="1"/>
           </p:cNvSpPr>
@@ -1619,6 +2122,11 @@
         </p:txBody>
       </p:sp>
     </p:spTree>
+    <p:extLst>
+      <p:ext uri="{BB962C8B-B14F-4D97-AF65-F5344CB8AC3E}">
+        <p14:creationId xmlns:p14="http://schemas.microsoft.com/office/powerpoint/2010/main" val="158226533"/>
+      </p:ext>
+    </p:extLst>
   </p:cSld>
   <p:clrMapOvr>
     <a:masterClrMapping/>
@@ -1631,7 +2139,7 @@
   <p:cSld>
     <p:spTree>
       <p:nvGrpSpPr>
-        <p:cNvPr id="1" name="Shape 78"/>
+        <p:cNvPr id="1" name="Shape 64"/>
         <p:cNvGrpSpPr/>
         <p:nvPr/>
       </p:nvGrpSpPr>
@@ -1645,7 +2153,7 @@
       </p:grpSpPr>
       <p:sp>
         <p:nvSpPr>
-          <p:cNvPr id="79" name="Google Shape;79;p5:notes"/>
+          <p:cNvPr id="65" name="Google Shape;65;p3:notes"/>
           <p:cNvSpPr>
             <a:spLocks noGrp="1" noRot="1" noChangeAspect="1"/>
           </p:cNvSpPr>
@@ -1696,7 +2204,7 @@
       </p:sp>
       <p:sp>
         <p:nvSpPr>
-          <p:cNvPr id="80" name="Google Shape;80;p5:notes"/>
+          <p:cNvPr id="66" name="Google Shape;66;p3:notes"/>
           <p:cNvSpPr txBox="1">
             <a:spLocks noGrp="1"/>
           </p:cNvSpPr>
@@ -1753,7 +2261,7 @@
   <p:cSld>
     <p:spTree>
       <p:nvGrpSpPr>
-        <p:cNvPr id="1" name="Shape 85"/>
+        <p:cNvPr id="1" name="Shape 64"/>
         <p:cNvGrpSpPr/>
         <p:nvPr/>
       </p:nvGrpSpPr>
@@ -1767,7 +2275,7 @@
       </p:grpSpPr>
       <p:sp>
         <p:nvSpPr>
-          <p:cNvPr id="86" name="Google Shape;86;p6:notes"/>
+          <p:cNvPr id="65" name="Google Shape;65;p3:notes"/>
           <p:cNvSpPr>
             <a:spLocks noGrp="1" noRot="1" noChangeAspect="1"/>
           </p:cNvSpPr>
@@ -1818,7 +2326,7 @@
       </p:sp>
       <p:sp>
         <p:nvSpPr>
-          <p:cNvPr id="87" name="Google Shape;87;p6:notes"/>
+          <p:cNvPr id="66" name="Google Shape;66;p3:notes"/>
           <p:cNvSpPr txBox="1">
             <a:spLocks noGrp="1"/>
           </p:cNvSpPr>
@@ -1863,6 +2371,138 @@
         </p:txBody>
       </p:sp>
     </p:spTree>
+    <p:extLst>
+      <p:ext uri="{BB962C8B-B14F-4D97-AF65-F5344CB8AC3E}">
+        <p14:creationId xmlns:p14="http://schemas.microsoft.com/office/powerpoint/2010/main" val="3978777333"/>
+      </p:ext>
+    </p:extLst>
+  </p:cSld>
+  <p:clrMapOvr>
+    <a:masterClrMapping/>
+  </p:clrMapOvr>
+</p:notes>
+</file>
+
+<file path=ppt/notesSlides/notesSlide9.xml><?xml version="1.0" encoding="utf-8"?>
+<p:notes xmlns:a="http://schemas.openxmlformats.org/drawingml/2006/main" xmlns:r="http://schemas.openxmlformats.org/officeDocument/2006/relationships" xmlns:p="http://schemas.openxmlformats.org/presentationml/2006/main" showMasterSp="0" showMasterPhAnim="0">
+  <p:cSld>
+    <p:spTree>
+      <p:nvGrpSpPr>
+        <p:cNvPr id="1" name="Shape 64"/>
+        <p:cNvGrpSpPr/>
+        <p:nvPr/>
+      </p:nvGrpSpPr>
+      <p:grpSpPr>
+        <a:xfrm>
+          <a:off x="0" y="0"/>
+          <a:ext cx="0" cy="0"/>
+          <a:chOff x="0" y="0"/>
+          <a:chExt cx="0" cy="0"/>
+        </a:xfrm>
+      </p:grpSpPr>
+      <p:sp>
+        <p:nvSpPr>
+          <p:cNvPr id="65" name="Google Shape;65;p3:notes"/>
+          <p:cNvSpPr>
+            <a:spLocks noGrp="1" noRot="1" noChangeAspect="1"/>
+          </p:cNvSpPr>
+          <p:nvPr>
+            <p:ph type="sldImg" idx="2"/>
+          </p:nvPr>
+        </p:nvSpPr>
+        <p:spPr>
+          <a:xfrm>
+            <a:off x="381000" y="685800"/>
+            <a:ext cx="6096000" cy="3429000"/>
+          </a:xfrm>
+          <a:custGeom>
+            <a:avLst/>
+            <a:gdLst/>
+            <a:ahLst/>
+            <a:cxnLst/>
+            <a:rect l="l" t="t" r="r" b="b"/>
+            <a:pathLst>
+              <a:path w="120000" h="120000" extrusionOk="0">
+                <a:moveTo>
+                  <a:pt x="0" y="0"/>
+                </a:moveTo>
+                <a:lnTo>
+                  <a:pt x="120000" y="0"/>
+                </a:lnTo>
+                <a:lnTo>
+                  <a:pt x="120000" y="120000"/>
+                </a:lnTo>
+                <a:lnTo>
+                  <a:pt x="0" y="120000"/>
+                </a:lnTo>
+                <a:close/>
+              </a:path>
+            </a:pathLst>
+          </a:custGeom>
+          <a:noFill/>
+          <a:ln w="9525" cap="flat" cmpd="sng">
+            <a:solidFill>
+              <a:srgbClr val="000000"/>
+            </a:solidFill>
+            <a:prstDash val="solid"/>
+            <a:round/>
+            <a:headEnd type="none" w="sm" len="sm"/>
+            <a:tailEnd type="none" w="sm" len="sm"/>
+          </a:ln>
+        </p:spPr>
+      </p:sp>
+      <p:sp>
+        <p:nvSpPr>
+          <p:cNvPr id="66" name="Google Shape;66;p3:notes"/>
+          <p:cNvSpPr txBox="1">
+            <a:spLocks noGrp="1"/>
+          </p:cNvSpPr>
+          <p:nvPr>
+            <p:ph type="body" idx="1"/>
+          </p:nvPr>
+        </p:nvSpPr>
+        <p:spPr>
+          <a:xfrm>
+            <a:off x="685800" y="4343400"/>
+            <a:ext cx="5486400" cy="4114800"/>
+          </a:xfrm>
+          <a:prstGeom prst="rect">
+            <a:avLst/>
+          </a:prstGeom>
+          <a:noFill/>
+          <a:ln>
+            <a:noFill/>
+          </a:ln>
+        </p:spPr>
+        <p:txBody>
+          <a:bodyPr spcFirstLastPara="1" wrap="square" lIns="91425" tIns="91425" rIns="91425" bIns="91425" anchor="t" anchorCtr="0">
+            <a:noAutofit/>
+          </a:bodyPr>
+          <a:lstStyle/>
+          <a:p>
+            <a:pPr marL="0" lvl="0" indent="0" algn="l" rtl="0">
+              <a:lnSpc>
+                <a:spcPct val="100000"/>
+              </a:lnSpc>
+              <a:spcBef>
+                <a:spcPts val="0"/>
+              </a:spcBef>
+              <a:spcAft>
+                <a:spcPts val="0"/>
+              </a:spcAft>
+              <a:buSzPts val="1100"/>
+              <a:buNone/>
+            </a:pPr>
+            <a:endParaRPr/>
+          </a:p>
+        </p:txBody>
+      </p:sp>
+    </p:spTree>
+    <p:extLst>
+      <p:ext uri="{BB962C8B-B14F-4D97-AF65-F5344CB8AC3E}">
+        <p14:creationId xmlns:p14="http://schemas.microsoft.com/office/powerpoint/2010/main" val="2191148957"/>
+      </p:ext>
+    </p:extLst>
   </p:cSld>
   <p:clrMapOvr>
     <a:masterClrMapping/>
@@ -9868,6 +10508,96 @@
           </a:graphicData>
         </a:graphic>
       </p:graphicFrame>
+      <p:pic>
+        <p:nvPicPr>
+          <p:cNvPr id="2" name="图片 1">
+            <a:extLst>
+              <a:ext uri="{FF2B5EF4-FFF2-40B4-BE49-F238E27FC236}">
+                <a16:creationId xmlns:a16="http://schemas.microsoft.com/office/drawing/2014/main" id="{E6C09FBB-8E38-341F-8339-C82BE41CE426}"/>
+              </a:ext>
+            </a:extLst>
+          </p:cNvPr>
+          <p:cNvPicPr>
+            <a:picLocks noChangeAspect="1"/>
+          </p:cNvPicPr>
+          <p:nvPr/>
+        </p:nvPicPr>
+        <p:blipFill>
+          <a:blip r:embed="rId3"/>
+          <a:stretch>
+            <a:fillRect/>
+          </a:stretch>
+        </p:blipFill>
+        <p:spPr>
+          <a:xfrm>
+            <a:off x="283762" y="1926774"/>
+            <a:ext cx="2661038" cy="1653375"/>
+          </a:xfrm>
+          <a:prstGeom prst="rect">
+            <a:avLst/>
+          </a:prstGeom>
+        </p:spPr>
+      </p:pic>
+      <p:pic>
+        <p:nvPicPr>
+          <p:cNvPr id="3" name="图片 2">
+            <a:extLst>
+              <a:ext uri="{FF2B5EF4-FFF2-40B4-BE49-F238E27FC236}">
+                <a16:creationId xmlns:a16="http://schemas.microsoft.com/office/drawing/2014/main" id="{CCAF257F-076E-4BA1-FED4-76CF77D9B37F}"/>
+              </a:ext>
+            </a:extLst>
+          </p:cNvPr>
+          <p:cNvPicPr>
+            <a:picLocks noChangeAspect="1"/>
+          </p:cNvPicPr>
+          <p:nvPr/>
+        </p:nvPicPr>
+        <p:blipFill>
+          <a:blip r:embed="rId4"/>
+          <a:stretch>
+            <a:fillRect/>
+          </a:stretch>
+        </p:blipFill>
+        <p:spPr>
+          <a:xfrm>
+            <a:off x="6055200" y="1882511"/>
+            <a:ext cx="2805038" cy="1741900"/>
+          </a:xfrm>
+          <a:prstGeom prst="rect">
+            <a:avLst/>
+          </a:prstGeom>
+        </p:spPr>
+      </p:pic>
+      <p:pic>
+        <p:nvPicPr>
+          <p:cNvPr id="5" name="图片 4">
+            <a:extLst>
+              <a:ext uri="{FF2B5EF4-FFF2-40B4-BE49-F238E27FC236}">
+                <a16:creationId xmlns:a16="http://schemas.microsoft.com/office/drawing/2014/main" id="{9F4C66A2-4EDB-B4FC-2927-866E547EFBF8}"/>
+              </a:ext>
+            </a:extLst>
+          </p:cNvPr>
+          <p:cNvPicPr>
+            <a:picLocks noChangeAspect="1"/>
+          </p:cNvPicPr>
+          <p:nvPr/>
+        </p:nvPicPr>
+        <p:blipFill>
+          <a:blip r:embed="rId5"/>
+          <a:stretch>
+            <a:fillRect/>
+          </a:stretch>
+        </p:blipFill>
+        <p:spPr>
+          <a:xfrm>
+            <a:off x="3088801" y="1980879"/>
+            <a:ext cx="2805038" cy="1643532"/>
+          </a:xfrm>
+          <a:prstGeom prst="rect">
+            <a:avLst/>
+          </a:prstGeom>
+        </p:spPr>
+      </p:pic>
     </p:spTree>
   </p:cSld>
   <p:clrMapOvr>
@@ -9876,293 +10606,7 @@
 </p:sld>
 </file>
 
-<file path=ppt/slides/slide2.xml><?xml version="1.0" encoding="utf-8"?>
-<p:sld xmlns:a="http://schemas.openxmlformats.org/drawingml/2006/main" xmlns:r="http://schemas.openxmlformats.org/officeDocument/2006/relationships" xmlns:p="http://schemas.openxmlformats.org/presentationml/2006/main">
-  <p:cSld>
-    <p:spTree>
-      <p:nvGrpSpPr>
-        <p:cNvPr id="1" name="Shape 61"/>
-        <p:cNvGrpSpPr/>
-        <p:nvPr/>
-      </p:nvGrpSpPr>
-      <p:grpSpPr>
-        <a:xfrm>
-          <a:off x="0" y="0"/>
-          <a:ext cx="0" cy="0"/>
-          <a:chOff x="0" y="0"/>
-          <a:chExt cx="0" cy="0"/>
-        </a:xfrm>
-      </p:grpSpPr>
-      <p:sp>
-        <p:nvSpPr>
-          <p:cNvPr id="62" name="Google Shape;62;p2"/>
-          <p:cNvSpPr txBox="1">
-            <a:spLocks noGrp="1"/>
-          </p:cNvSpPr>
-          <p:nvPr>
-            <p:ph type="ctrTitle"/>
-          </p:nvPr>
-        </p:nvSpPr>
-        <p:spPr>
-          <a:xfrm>
-            <a:off x="311708" y="734725"/>
-            <a:ext cx="8520600" cy="2052600"/>
-          </a:xfrm>
-          <a:prstGeom prst="rect">
-            <a:avLst/>
-          </a:prstGeom>
-          <a:noFill/>
-          <a:ln>
-            <a:noFill/>
-          </a:ln>
-        </p:spPr>
-        <p:txBody>
-          <a:bodyPr spcFirstLastPara="1" wrap="square" lIns="91425" tIns="91425" rIns="91425" bIns="91425" anchor="b" anchorCtr="0">
-            <a:noAutofit/>
-          </a:bodyPr>
-          <a:lstStyle/>
-          <a:p>
-            <a:pPr marL="0" lvl="0" indent="0" algn="ctr" rtl="0">
-              <a:lnSpc>
-                <a:spcPct val="100000"/>
-              </a:lnSpc>
-              <a:spcBef>
-                <a:spcPts val="0"/>
-              </a:spcBef>
-              <a:spcAft>
-                <a:spcPts val="0"/>
-              </a:spcAft>
-              <a:buSzPts val="5200"/>
-              <a:buNone/>
-            </a:pPr>
-            <a:r>
-              <a:rPr lang="en" dirty="0">
-                <a:extLst>
-                  <a:ext uri="http://customooxmlschemas.google.com/">
-                    <go:slidesCustomData xmlns:go="http://customooxmlschemas.google.com/" xmlns:ahyp="http://schemas.microsoft.com/office/drawing/2018/hyperlinkcolor" xmlns:p15="http://schemas.microsoft.com/office/powerpoint/2012/main" xmlns:p14="http://schemas.microsoft.com/office/powerpoint/2010/main" xmlns:com="http://schemas.openxmlformats.org/drawingml/2006/compatibility" xmlns:pvml="urn:schemas-microsoft-com:office:powerpoint" xmlns:v="urn:schemas-microsoft-com:vml" xmlns:o="urn:schemas-microsoft-com:office:office" xmlns:dgm="http://schemas.openxmlformats.org/drawingml/2006/diagram" xmlns:c="http://schemas.openxmlformats.org/drawingml/2006/chart" xmlns:mv="urn:schemas-microsoft-com:mac:vml" xmlns:mc="http://schemas.openxmlformats.org/markup-compatibility/2006" xmlns="" textRoundtripDataId="0"/>
-                  </a:ext>
-                </a:extLst>
-              </a:rPr>
-              <a:t>ML4ER </a:t>
-            </a:r>
-            <a:r>
-              <a:rPr lang="en-US" dirty="0">
-                <a:extLst>
-                  <a:ext uri="http://customooxmlschemas.google.com/">
-                    <go:slidesCustomData xmlns:go="http://customooxmlschemas.google.com/" xmlns:ahyp="http://schemas.microsoft.com/office/drawing/2018/hyperlinkcolor" xmlns:p15="http://schemas.microsoft.com/office/powerpoint/2012/main" xmlns:p14="http://schemas.microsoft.com/office/powerpoint/2010/main" xmlns:com="http://schemas.openxmlformats.org/drawingml/2006/compatibility" xmlns:pvml="urn:schemas-microsoft-com:office:powerpoint" xmlns:v="urn:schemas-microsoft-com:vml" xmlns:o="urn:schemas-microsoft-com:office:office" xmlns:dgm="http://schemas.openxmlformats.org/drawingml/2006/diagram" xmlns:c="http://schemas.openxmlformats.org/drawingml/2006/chart" xmlns:mv="urn:schemas-microsoft-com:mac:vml" xmlns:mc="http://schemas.openxmlformats.org/markup-compatibility/2006" xmlns="" textRoundtripDataId="0"/>
-                  </a:ext>
-                </a:extLst>
-              </a:rPr>
-              <a:t>Assignment 5</a:t>
-            </a:r>
-            <a:endParaRPr dirty="0"/>
-          </a:p>
-        </p:txBody>
-      </p:sp>
-      <p:sp>
-        <p:nvSpPr>
-          <p:cNvPr id="63" name="Google Shape;63;p2"/>
-          <p:cNvSpPr txBox="1">
-            <a:spLocks noGrp="1"/>
-          </p:cNvSpPr>
-          <p:nvPr>
-            <p:ph type="subTitle" idx="1"/>
-          </p:nvPr>
-        </p:nvSpPr>
-        <p:spPr>
-          <a:xfrm>
-            <a:off x="311700" y="2834125"/>
-            <a:ext cx="8520600" cy="1755600"/>
-          </a:xfrm>
-          <a:prstGeom prst="rect">
-            <a:avLst/>
-          </a:prstGeom>
-          <a:noFill/>
-          <a:ln>
-            <a:noFill/>
-          </a:ln>
-        </p:spPr>
-        <p:txBody>
-          <a:bodyPr spcFirstLastPara="1" wrap="square" lIns="91425" tIns="91425" rIns="91425" bIns="91425" anchor="t" anchorCtr="0">
-            <a:noAutofit/>
-          </a:bodyPr>
-          <a:lstStyle/>
-          <a:p>
-            <a:pPr marL="0" lvl="0" indent="0" algn="ctr" rtl="0">
-              <a:lnSpc>
-                <a:spcPct val="100000"/>
-              </a:lnSpc>
-              <a:spcBef>
-                <a:spcPts val="0"/>
-              </a:spcBef>
-              <a:spcAft>
-                <a:spcPts val="0"/>
-              </a:spcAft>
-              <a:buSzPts val="2800"/>
-              <a:buNone/>
-            </a:pPr>
-            <a:r>
-              <a:rPr lang="en" dirty="0">
-                <a:extLst>
-                  <a:ext uri="http://customooxmlschemas.google.com/">
-                    <go:slidesCustomData xmlns:go="http://customooxmlschemas.google.com/" xmlns:ahyp="http://schemas.microsoft.com/office/drawing/2018/hyperlinkcolor" xmlns:p15="http://schemas.microsoft.com/office/powerpoint/2012/main" xmlns:p14="http://schemas.microsoft.com/office/powerpoint/2010/main" xmlns:com="http://schemas.openxmlformats.org/drawingml/2006/compatibility" xmlns:pvml="urn:schemas-microsoft-com:office:powerpoint" xmlns:v="urn:schemas-microsoft-com:vml" xmlns:o="urn:schemas-microsoft-com:office:office" xmlns:dgm="http://schemas.openxmlformats.org/drawingml/2006/diagram" xmlns:c="http://schemas.openxmlformats.org/drawingml/2006/chart" xmlns:mv="urn:schemas-microsoft-com:mac:vml" xmlns:mc="http://schemas.openxmlformats.org/markup-compatibility/2006" xmlns="" textRoundtripDataId="1"/>
-                  </a:ext>
-                </a:extLst>
-              </a:rPr>
-              <a:t>J</a:t>
-            </a:r>
-            <a:r>
-              <a:rPr lang="en-US" altLang="zh-CN" dirty="0" err="1">
-                <a:extLst>
-                  <a:ext uri="http://customooxmlschemas.google.com/">
-                    <go:slidesCustomData xmlns:go="http://customooxmlschemas.google.com/" xmlns:ahyp="http://schemas.microsoft.com/office/drawing/2018/hyperlinkcolor" xmlns:p15="http://schemas.microsoft.com/office/powerpoint/2012/main" xmlns:p14="http://schemas.microsoft.com/office/powerpoint/2010/main" xmlns:com="http://schemas.openxmlformats.org/drawingml/2006/compatibility" xmlns:pvml="urn:schemas-microsoft-com:office:powerpoint" xmlns:v="urn:schemas-microsoft-com:vml" xmlns:o="urn:schemas-microsoft-com:office:office" xmlns:dgm="http://schemas.openxmlformats.org/drawingml/2006/diagram" xmlns:c="http://schemas.openxmlformats.org/drawingml/2006/chart" xmlns:mv="urn:schemas-microsoft-com:mac:vml" xmlns:mc="http://schemas.openxmlformats.org/markup-compatibility/2006" xmlns="" textRoundtripDataId="1"/>
-                  </a:ext>
-                </a:extLst>
-              </a:rPr>
-              <a:t>iahui</a:t>
-            </a:r>
-            <a:r>
-              <a:rPr lang="en-US" altLang="zh-CN" dirty="0">
-                <a:extLst>
-                  <a:ext uri="http://customooxmlschemas.google.com/">
-                    <go:slidesCustomData xmlns:go="http://customooxmlschemas.google.com/" xmlns:ahyp="http://schemas.microsoft.com/office/drawing/2018/hyperlinkcolor" xmlns:p15="http://schemas.microsoft.com/office/powerpoint/2012/main" xmlns:p14="http://schemas.microsoft.com/office/powerpoint/2010/main" xmlns:com="http://schemas.openxmlformats.org/drawingml/2006/compatibility" xmlns:pvml="urn:schemas-microsoft-com:office:powerpoint" xmlns:v="urn:schemas-microsoft-com:vml" xmlns:o="urn:schemas-microsoft-com:office:office" xmlns:dgm="http://schemas.openxmlformats.org/drawingml/2006/diagram" xmlns:c="http://schemas.openxmlformats.org/drawingml/2006/chart" xmlns:mv="urn:schemas-microsoft-com:mac:vml" xmlns:mc="http://schemas.openxmlformats.org/markup-compatibility/2006" xmlns="" textRoundtripDataId="1"/>
-                  </a:ext>
-                </a:extLst>
-              </a:rPr>
-              <a:t> Yang</a:t>
-            </a:r>
-            <a:endParaRPr dirty="0">
-              <a:extLst>
-                <a:ext uri="http://customooxmlschemas.google.com/">
-                  <go:slidesCustomData xmlns:go="http://customooxmlschemas.google.com/" xmlns:ahyp="http://schemas.microsoft.com/office/drawing/2018/hyperlinkcolor" xmlns:p15="http://schemas.microsoft.com/office/powerpoint/2012/main" xmlns:p14="http://schemas.microsoft.com/office/powerpoint/2010/main" xmlns:com="http://schemas.openxmlformats.org/drawingml/2006/compatibility" xmlns:pvml="urn:schemas-microsoft-com:office:powerpoint" xmlns:v="urn:schemas-microsoft-com:vml" xmlns:o="urn:schemas-microsoft-com:office:office" xmlns:dgm="http://schemas.openxmlformats.org/drawingml/2006/diagram" xmlns:c="http://schemas.openxmlformats.org/drawingml/2006/chart" xmlns:mv="urn:schemas-microsoft-com:mac:vml" xmlns:mc="http://schemas.openxmlformats.org/markup-compatibility/2006" xmlns="" textRoundtripDataId="2"/>
-                </a:ext>
-              </a:extLst>
-            </a:endParaRPr>
-          </a:p>
-          <a:p>
-            <a:pPr marL="0" lvl="0" indent="0" algn="ctr" rtl="0">
-              <a:lnSpc>
-                <a:spcPct val="100000"/>
-              </a:lnSpc>
-              <a:spcBef>
-                <a:spcPts val="0"/>
-              </a:spcBef>
-              <a:spcAft>
-                <a:spcPts val="0"/>
-              </a:spcAft>
-              <a:buSzPts val="2800"/>
-              <a:buNone/>
-            </a:pPr>
-            <a:r>
-              <a:rPr lang="en" dirty="0">
-                <a:extLst>
-                  <a:ext uri="http://customooxmlschemas.google.com/">
-                    <go:slidesCustomData xmlns:go="http://customooxmlschemas.google.com/" xmlns:ahyp="http://schemas.microsoft.com/office/drawing/2018/hyperlinkcolor" xmlns:p15="http://schemas.microsoft.com/office/powerpoint/2012/main" xmlns:p14="http://schemas.microsoft.com/office/powerpoint/2010/main" xmlns:com="http://schemas.openxmlformats.org/drawingml/2006/compatibility" xmlns:pvml="urn:schemas-microsoft-com:office:powerpoint" xmlns:v="urn:schemas-microsoft-com:vml" xmlns:o="urn:schemas-microsoft-com:office:office" xmlns:dgm="http://schemas.openxmlformats.org/drawingml/2006/diagram" xmlns:c="http://schemas.openxmlformats.org/drawingml/2006/chart" xmlns:mv="urn:schemas-microsoft-com:mac:vml" xmlns:mc="http://schemas.openxmlformats.org/markup-compatibility/2006" xmlns="" textRoundtripDataId="3"/>
-                  </a:ext>
-                </a:extLst>
-              </a:rPr>
-              <a:t>Informatics Skunkworks</a:t>
-            </a:r>
-          </a:p>
-          <a:p>
-            <a:pPr marL="0" lvl="0" indent="0" algn="ctr" rtl="0">
-              <a:lnSpc>
-                <a:spcPct val="100000"/>
-              </a:lnSpc>
-              <a:spcBef>
-                <a:spcPts val="0"/>
-              </a:spcBef>
-              <a:spcAft>
-                <a:spcPts val="0"/>
-              </a:spcAft>
-              <a:buSzPts val="2800"/>
-              <a:buNone/>
-            </a:pPr>
-            <a:r>
-              <a:rPr lang="en" dirty="0">
-                <a:extLst>
-                  <a:ext uri="http://customooxmlschemas.google.com/">
-                    <go:slidesCustomData xmlns:go="http://customooxmlschemas.google.com/" xmlns:ahyp="http://schemas.microsoft.com/office/drawing/2018/hyperlinkcolor" xmlns:p15="http://schemas.microsoft.com/office/powerpoint/2012/main" xmlns:p14="http://schemas.microsoft.com/office/powerpoint/2010/main" xmlns:com="http://schemas.openxmlformats.org/drawingml/2006/compatibility" xmlns:pvml="urn:schemas-microsoft-com:office:powerpoint" xmlns:v="urn:schemas-microsoft-com:vml" xmlns:o="urn:schemas-microsoft-com:office:office" xmlns:dgm="http://schemas.openxmlformats.org/drawingml/2006/diagram" xmlns:c="http://schemas.openxmlformats.org/drawingml/2006/chart" xmlns:mv="urn:schemas-microsoft-com:mac:vml" xmlns:mc="http://schemas.openxmlformats.org/markup-compatibility/2006" xmlns="" textRoundtripDataId="4"/>
-                  </a:ext>
-                </a:extLst>
-              </a:rPr>
-              <a:t>MSE 401</a:t>
-            </a:r>
-            <a:r>
-              <a:rPr lang="en" dirty="0">
-                <a:extLst>
-                  <a:ext uri="http://customooxmlschemas.google.com/">
-                    <go:slidesCustomData xmlns:go="http://customooxmlschemas.google.com/" xmlns:ahyp="http://schemas.microsoft.com/office/drawing/2018/hyperlinkcolor" xmlns:p15="http://schemas.microsoft.com/office/powerpoint/2012/main" xmlns:p14="http://schemas.microsoft.com/office/powerpoint/2010/main" xmlns:com="http://schemas.openxmlformats.org/drawingml/2006/compatibility" xmlns:pvml="urn:schemas-microsoft-com:office:powerpoint" xmlns:v="urn:schemas-microsoft-com:vml" xmlns:o="urn:schemas-microsoft-com:office:office" xmlns:dgm="http://schemas.openxmlformats.org/drawingml/2006/diagram" xmlns:c="http://schemas.openxmlformats.org/drawingml/2006/chart" xmlns:mv="urn:schemas-microsoft-com:mac:vml" xmlns:mc="http://schemas.openxmlformats.org/markup-compatibility/2006" xmlns="" textRoundtripDataId="5"/>
-                  </a:ext>
-                </a:extLst>
-              </a:rPr>
-              <a:t>, 3 Credits</a:t>
-            </a:r>
-            <a:endParaRPr dirty="0">
-              <a:extLst>
-                <a:ext uri="http://customooxmlschemas.google.com/">
-                  <go:slidesCustomData xmlns:go="http://customooxmlschemas.google.com/" xmlns:ahyp="http://schemas.microsoft.com/office/drawing/2018/hyperlinkcolor" xmlns:p15="http://schemas.microsoft.com/office/powerpoint/2012/main" xmlns:p14="http://schemas.microsoft.com/office/powerpoint/2010/main" xmlns:com="http://schemas.openxmlformats.org/drawingml/2006/compatibility" xmlns:pvml="urn:schemas-microsoft-com:office:powerpoint" xmlns:v="urn:schemas-microsoft-com:vml" xmlns:o="urn:schemas-microsoft-com:office:office" xmlns:dgm="http://schemas.openxmlformats.org/drawingml/2006/diagram" xmlns:c="http://schemas.openxmlformats.org/drawingml/2006/chart" xmlns:mv="urn:schemas-microsoft-com:mac:vml" xmlns:mc="http://schemas.openxmlformats.org/markup-compatibility/2006" xmlns="" textRoundtripDataId="6"/>
-                </a:ext>
-              </a:extLst>
-            </a:endParaRPr>
-          </a:p>
-          <a:p>
-            <a:pPr marL="0" lvl="0" indent="0" algn="ctr" rtl="0">
-              <a:lnSpc>
-                <a:spcPct val="100000"/>
-              </a:lnSpc>
-              <a:spcBef>
-                <a:spcPts val="0"/>
-              </a:spcBef>
-              <a:spcAft>
-                <a:spcPts val="0"/>
-              </a:spcAft>
-              <a:buSzPts val="2800"/>
-              <a:buNone/>
-            </a:pPr>
-            <a:r>
-              <a:rPr lang="en-US" dirty="0">
-                <a:extLst>
-                  <a:ext uri="http://customooxmlschemas.google.com/">
-                    <go:slidesCustomData xmlns:go="http://customooxmlschemas.google.com/" xmlns:ahyp="http://schemas.microsoft.com/office/drawing/2018/hyperlinkcolor" xmlns:p15="http://schemas.microsoft.com/office/powerpoint/2012/main" xmlns:p14="http://schemas.microsoft.com/office/powerpoint/2010/main" xmlns:com="http://schemas.openxmlformats.org/drawingml/2006/compatibility" xmlns:pvml="urn:schemas-microsoft-com:office:powerpoint" xmlns:v="urn:schemas-microsoft-com:vml" xmlns:o="urn:schemas-microsoft-com:office:office" xmlns:dgm="http://schemas.openxmlformats.org/drawingml/2006/diagram" xmlns:c="http://schemas.openxmlformats.org/drawingml/2006/chart" xmlns:mv="urn:schemas-microsoft-com:mac:vml" xmlns:mc="http://schemas.openxmlformats.org/markup-compatibility/2006" xmlns="" textRoundtripDataId="7"/>
-                  </a:ext>
-                </a:extLst>
-              </a:rPr>
-              <a:t>A</a:t>
-            </a:r>
-            <a:r>
-              <a:rPr lang="en-US" altLang="zh-CN" dirty="0">
-                <a:extLst>
-                  <a:ext uri="http://customooxmlschemas.google.com/">
-                    <go:slidesCustomData xmlns:go="http://customooxmlschemas.google.com/" xmlns:ahyp="http://schemas.microsoft.com/office/drawing/2018/hyperlinkcolor" xmlns:p15="http://schemas.microsoft.com/office/powerpoint/2012/main" xmlns:p14="http://schemas.microsoft.com/office/powerpoint/2010/main" xmlns:com="http://schemas.openxmlformats.org/drawingml/2006/compatibility" xmlns:pvml="urn:schemas-microsoft-com:office:powerpoint" xmlns:v="urn:schemas-microsoft-com:vml" xmlns:o="urn:schemas-microsoft-com:office:office" xmlns:dgm="http://schemas.openxmlformats.org/drawingml/2006/diagram" xmlns:c="http://schemas.openxmlformats.org/drawingml/2006/chart" xmlns:mv="urn:schemas-microsoft-com:mac:vml" xmlns:mc="http://schemas.openxmlformats.org/markup-compatibility/2006" xmlns="" textRoundtripDataId="7"/>
-                  </a:ext>
-                </a:extLst>
-              </a:rPr>
-              <a:t>ug</a:t>
-            </a:r>
-            <a:r>
-              <a:rPr lang="en-US" dirty="0">
-                <a:extLst>
-                  <a:ext uri="http://customooxmlschemas.google.com/">
-                    <go:slidesCustomData xmlns:go="http://customooxmlschemas.google.com/" xmlns:ahyp="http://schemas.microsoft.com/office/drawing/2018/hyperlinkcolor" xmlns:p15="http://schemas.microsoft.com/office/powerpoint/2012/main" xmlns:p14="http://schemas.microsoft.com/office/powerpoint/2010/main" xmlns:com="http://schemas.openxmlformats.org/drawingml/2006/compatibility" xmlns:pvml="urn:schemas-microsoft-com:office:powerpoint" xmlns:v="urn:schemas-microsoft-com:vml" xmlns:o="urn:schemas-microsoft-com:office:office" xmlns:dgm="http://schemas.openxmlformats.org/drawingml/2006/diagram" xmlns:c="http://schemas.openxmlformats.org/drawingml/2006/chart" xmlns:mv="urn:schemas-microsoft-com:mac:vml" xmlns:mc="http://schemas.openxmlformats.org/markup-compatibility/2006" xmlns="" textRoundtripDataId="7"/>
-                  </a:ext>
-                </a:extLst>
-              </a:rPr>
-              <a:t> 01 2024</a:t>
-            </a:r>
-            <a:endParaRPr dirty="0"/>
-          </a:p>
-        </p:txBody>
-      </p:sp>
-    </p:spTree>
-  </p:cSld>
-  <p:clrMapOvr>
-    <a:masterClrMapping/>
-  </p:clrMapOvr>
-</p:sld>
-</file>
-
-<file path=ppt/slides/slide3.xml><?xml version="1.0" encoding="utf-8"?>
+<file path=ppt/slides/slide10.xml><?xml version="1.0" encoding="utf-8"?>
 <p:sld xmlns:a="http://schemas.openxmlformats.org/drawingml/2006/main" xmlns:r="http://schemas.openxmlformats.org/officeDocument/2006/relationships" xmlns:p="http://schemas.openxmlformats.org/presentationml/2006/main">
   <p:cSld>
     <p:spTree>
@@ -10222,10 +10666,10 @@
               <a:buNone/>
             </a:pPr>
             <a:r>
-              <a:rPr lang="en"/>
+              <a:rPr lang="en" dirty="0"/>
               <a:t>Progress</a:t>
             </a:r>
-            <a:endParaRPr/>
+            <a:endParaRPr dirty="0"/>
           </a:p>
         </p:txBody>
       </p:sp>
@@ -10242,7 +10686,7 @@
         <p:spPr>
           <a:xfrm>
             <a:off x="311700" y="1152475"/>
-            <a:ext cx="8520600" cy="3416400"/>
+            <a:ext cx="8457900" cy="3416400"/>
           </a:xfrm>
           <a:prstGeom prst="rect">
             <a:avLst/>
@@ -10273,8 +10717,13 @@
             </a:pPr>
             <a:r>
               <a:rPr lang="en-US" dirty="0"/>
-              <a:t>Test data parity plot of your default chosen model from Section 5</a:t>
+              <a:t>Test data parity plot of your optimized model performance from Section 5</a:t>
             </a:r>
+            <a:r>
+              <a:rPr lang="en-US" altLang="zh-CN" dirty="0"/>
+              <a:t> (5-fold cross-validation)</a:t>
+            </a:r>
+            <a:endParaRPr lang="en-US" dirty="0"/>
           </a:p>
         </p:txBody>
       </p:sp>
@@ -10322,7 +10771,7 @@
             </a:pPr>
             <a:fld id="{00000000-1234-1234-1234-123412341234}" type="slidenum">
               <a:rPr lang="en"/>
-              <a:t>3</a:t>
+              <a:t>10</a:t>
             </a:fld>
             <a:endParaRPr/>
           </a:p>
@@ -10330,10 +10779,10 @@
       </p:sp>
       <p:sp>
         <p:nvSpPr>
-          <p:cNvPr id="2" name="文本框 1">
+          <p:cNvPr id="5" name="文本框 4">
             <a:extLst>
               <a:ext uri="{FF2B5EF4-FFF2-40B4-BE49-F238E27FC236}">
-                <a16:creationId xmlns:a16="http://schemas.microsoft.com/office/drawing/2014/main" id="{B4938E97-B03F-3BFB-E305-F4EDC20C9872}"/>
+                <a16:creationId xmlns:a16="http://schemas.microsoft.com/office/drawing/2014/main" id="{6665F40B-9DE6-DBF7-1FBB-8207FFEBA992}"/>
               </a:ext>
             </a:extLst>
           </p:cNvPr>
@@ -10342,7 +10791,7 @@
         </p:nvSpPr>
         <p:spPr>
           <a:xfrm>
-            <a:off x="4834958" y="506144"/>
+            <a:off x="4989600" y="3344694"/>
             <a:ext cx="3437842" cy="646331"/>
           </a:xfrm>
           <a:prstGeom prst="rect">
@@ -10359,456 +10808,42 @@
             <a:pPr algn="just"/>
             <a:r>
               <a:rPr lang="en-US" altLang="zh-CN" sz="1200" dirty="0"/>
-              <a:t>The normalized data has a mean of 0 and a variance of 1, confirming that the normalization process was successful. </a:t>
+              <a:t>This scatter plot shows predicted values versus true values, with an R² of 0.592, MAE of 1.059, RMSE of 1.467, and RMSE/σᵧ of 0.639.</a:t>
             </a:r>
             <a:endParaRPr lang="zh-CN" altLang="en-US" sz="1200" dirty="0"/>
           </a:p>
         </p:txBody>
       </p:sp>
-    </p:spTree>
-  </p:cSld>
-  <p:clrMapOvr>
-    <a:masterClrMapping/>
-  </p:clrMapOvr>
-</p:sld>
-</file>
-
-<file path=ppt/slides/slide4.xml><?xml version="1.0" encoding="utf-8"?>
-<p:sld xmlns:a="http://schemas.openxmlformats.org/drawingml/2006/main" xmlns:r="http://schemas.openxmlformats.org/officeDocument/2006/relationships" xmlns:p="http://schemas.openxmlformats.org/presentationml/2006/main">
-  <p:cSld>
-    <p:spTree>
-      <p:nvGrpSpPr>
-        <p:cNvPr id="1" name="Shape 67"/>
-        <p:cNvGrpSpPr/>
-        <p:nvPr/>
-      </p:nvGrpSpPr>
-      <p:grpSpPr>
-        <a:xfrm>
-          <a:off x="0" y="0"/>
-          <a:ext cx="0" cy="0"/>
-          <a:chOff x="0" y="0"/>
-          <a:chExt cx="0" cy="0"/>
-        </a:xfrm>
-      </p:grpSpPr>
-      <p:sp>
-        <p:nvSpPr>
-          <p:cNvPr id="68" name="Google Shape;68;p3"/>
-          <p:cNvSpPr txBox="1">
-            <a:spLocks noGrp="1"/>
-          </p:cNvSpPr>
-          <p:nvPr>
-            <p:ph type="title"/>
-          </p:nvPr>
-        </p:nvSpPr>
+      <p:pic>
+        <p:nvPicPr>
+          <p:cNvPr id="7" name="图片 6">
+            <a:extLst>
+              <a:ext uri="{FF2B5EF4-FFF2-40B4-BE49-F238E27FC236}">
+                <a16:creationId xmlns:a16="http://schemas.microsoft.com/office/drawing/2014/main" id="{9104555F-10DE-DEA4-B1B8-ED3EA08ED7A1}"/>
+              </a:ext>
+            </a:extLst>
+          </p:cNvPr>
+          <p:cNvPicPr>
+            <a:picLocks noChangeAspect="1"/>
+          </p:cNvPicPr>
+          <p:nvPr/>
+        </p:nvPicPr>
+        <p:blipFill>
+          <a:blip r:embed="rId3"/>
+          <a:stretch>
+            <a:fillRect/>
+          </a:stretch>
+        </p:blipFill>
         <p:spPr>
           <a:xfrm>
-            <a:off x="311700" y="445025"/>
-            <a:ext cx="8520600" cy="572700"/>
+            <a:off x="493358" y="1948634"/>
+            <a:ext cx="4496242" cy="2792120"/>
           </a:xfrm>
           <a:prstGeom prst="rect">
             <a:avLst/>
           </a:prstGeom>
-          <a:noFill/>
-          <a:ln>
-            <a:noFill/>
-          </a:ln>
         </p:spPr>
-        <p:txBody>
-          <a:bodyPr spcFirstLastPara="1" wrap="square" lIns="91425" tIns="91425" rIns="91425" bIns="91425" anchor="t" anchorCtr="0">
-            <a:noAutofit/>
-          </a:bodyPr>
-          <a:lstStyle/>
-          <a:p>
-            <a:pPr marL="0" lvl="0" indent="0" algn="l" rtl="0">
-              <a:lnSpc>
-                <a:spcPct val="100000"/>
-              </a:lnSpc>
-              <a:spcBef>
-                <a:spcPts val="0"/>
-              </a:spcBef>
-              <a:spcAft>
-                <a:spcPts val="0"/>
-              </a:spcAft>
-              <a:buSzPts val="2800"/>
-              <a:buNone/>
-            </a:pPr>
-            <a:r>
-              <a:rPr lang="en"/>
-              <a:t>Progress</a:t>
-            </a:r>
-            <a:endParaRPr/>
-          </a:p>
-        </p:txBody>
-      </p:sp>
-      <p:sp>
-        <p:nvSpPr>
-          <p:cNvPr id="69" name="Google Shape;69;p3"/>
-          <p:cNvSpPr txBox="1">
-            <a:spLocks noGrp="1"/>
-          </p:cNvSpPr>
-          <p:nvPr>
-            <p:ph type="body" idx="1"/>
-          </p:nvPr>
-        </p:nvSpPr>
-        <p:spPr>
-          <a:xfrm>
-            <a:off x="311700" y="1152475"/>
-            <a:ext cx="8520600" cy="3416400"/>
-          </a:xfrm>
-          <a:prstGeom prst="rect">
-            <a:avLst/>
-          </a:prstGeom>
-          <a:noFill/>
-          <a:ln>
-            <a:noFill/>
-          </a:ln>
-        </p:spPr>
-        <p:txBody>
-          <a:bodyPr spcFirstLastPara="1" wrap="square" lIns="91425" tIns="91425" rIns="91425" bIns="91425" anchor="t" anchorCtr="0">
-            <a:noAutofit/>
-          </a:bodyPr>
-          <a:lstStyle/>
-          <a:p>
-            <a:pPr marL="457200" lvl="0" indent="-342900" algn="l" rtl="0">
-              <a:lnSpc>
-                <a:spcPct val="115000"/>
-              </a:lnSpc>
-              <a:spcBef>
-                <a:spcPts val="0"/>
-              </a:spcBef>
-              <a:spcAft>
-                <a:spcPts val="0"/>
-              </a:spcAft>
-              <a:buSzPts val="1800"/>
-              <a:buChar char="●"/>
-            </a:pPr>
-            <a:r>
-              <a:rPr lang="en-US" dirty="0"/>
-              <a:t>Learning curve for your hyperparameter optimization from Section 5</a:t>
-            </a:r>
-          </a:p>
-          <a:p>
-            <a:pPr marL="457200" lvl="0" indent="-342900" algn="l" rtl="0">
-              <a:lnSpc>
-                <a:spcPct val="115000"/>
-              </a:lnSpc>
-              <a:spcBef>
-                <a:spcPts val="0"/>
-              </a:spcBef>
-              <a:spcAft>
-                <a:spcPts val="0"/>
-              </a:spcAft>
-              <a:buSzPts val="1800"/>
-              <a:buChar char="●"/>
-            </a:pPr>
-            <a:r>
-              <a:rPr lang="en-US" dirty="0"/>
-              <a:t>/split_outer_0/Split_0/GridSearch_RandomForestOutput.xlsx</a:t>
-            </a:r>
-          </a:p>
-        </p:txBody>
-      </p:sp>
-      <p:sp>
-        <p:nvSpPr>
-          <p:cNvPr id="70" name="Google Shape;70;p3"/>
-          <p:cNvSpPr txBox="1">
-            <a:spLocks noGrp="1"/>
-          </p:cNvSpPr>
-          <p:nvPr>
-            <p:ph type="sldNum" idx="12"/>
-          </p:nvPr>
-        </p:nvSpPr>
-        <p:spPr>
-          <a:xfrm>
-            <a:off x="8472458" y="4663217"/>
-            <a:ext cx="548700" cy="393600"/>
-          </a:xfrm>
-          <a:prstGeom prst="rect">
-            <a:avLst/>
-          </a:prstGeom>
-          <a:noFill/>
-          <a:ln>
-            <a:noFill/>
-          </a:ln>
-        </p:spPr>
-        <p:txBody>
-          <a:bodyPr spcFirstLastPara="1" wrap="square" lIns="91425" tIns="91425" rIns="91425" bIns="91425" anchor="ctr" anchorCtr="0">
-            <a:noAutofit/>
-          </a:bodyPr>
-          <a:lstStyle/>
-          <a:p>
-            <a:pPr marL="0" lvl="0" indent="0" algn="r" rtl="0">
-              <a:lnSpc>
-                <a:spcPct val="100000"/>
-              </a:lnSpc>
-              <a:spcBef>
-                <a:spcPts val="0"/>
-              </a:spcBef>
-              <a:spcAft>
-                <a:spcPts val="0"/>
-              </a:spcAft>
-              <a:buSzPts val="1000"/>
-              <a:buNone/>
-            </a:pPr>
-            <a:fld id="{00000000-1234-1234-1234-123412341234}" type="slidenum">
-              <a:rPr lang="en"/>
-              <a:t>4</a:t>
-            </a:fld>
-            <a:endParaRPr/>
-          </a:p>
-        </p:txBody>
-      </p:sp>
-      <p:sp>
-        <p:nvSpPr>
-          <p:cNvPr id="2" name="文本框 1">
-            <a:extLst>
-              <a:ext uri="{FF2B5EF4-FFF2-40B4-BE49-F238E27FC236}">
-                <a16:creationId xmlns:a16="http://schemas.microsoft.com/office/drawing/2014/main" id="{7B191ECD-DDA9-786F-2596-B68F047EFD5F}"/>
-              </a:ext>
-            </a:extLst>
-          </p:cNvPr>
-          <p:cNvSpPr txBox="1"/>
-          <p:nvPr/>
-        </p:nvSpPr>
-        <p:spPr>
-          <a:xfrm>
-            <a:off x="5265860" y="2571750"/>
-            <a:ext cx="2870171" cy="1200329"/>
-          </a:xfrm>
-          <a:prstGeom prst="rect">
-            <a:avLst/>
-          </a:prstGeom>
-          <a:noFill/>
-        </p:spPr>
-        <p:txBody>
-          <a:bodyPr wrap="square" rtlCol="0">
-            <a:spAutoFit/>
-          </a:bodyPr>
-          <a:lstStyle/>
-          <a:p>
-            <a:pPr algn="just"/>
-            <a:r>
-              <a:rPr lang="en-US" altLang="zh-CN" sz="1200" dirty="0"/>
-              <a:t>The scatter plot compares true values (x-axis) and predicted values (y-axis) of a machine learning model. Each blue dot represents a data point, with the dashed line indicating ideal predictions. The RMSE is 4.831.</a:t>
-            </a:r>
-          </a:p>
-        </p:txBody>
-      </p:sp>
-    </p:spTree>
-    <p:extLst>
-      <p:ext uri="{BB962C8B-B14F-4D97-AF65-F5344CB8AC3E}">
-        <p14:creationId xmlns:p14="http://schemas.microsoft.com/office/powerpoint/2010/main" val="1137350405"/>
-      </p:ext>
-    </p:extLst>
-  </p:cSld>
-  <p:clrMapOvr>
-    <a:masterClrMapping/>
-  </p:clrMapOvr>
-</p:sld>
-</file>
-
-<file path=ppt/slides/slide5.xml><?xml version="1.0" encoding="utf-8"?>
-<p:sld xmlns:a="http://schemas.openxmlformats.org/drawingml/2006/main" xmlns:r="http://schemas.openxmlformats.org/officeDocument/2006/relationships" xmlns:p="http://schemas.openxmlformats.org/presentationml/2006/main">
-  <p:cSld>
-    <p:spTree>
-      <p:nvGrpSpPr>
-        <p:cNvPr id="1" name="Shape 67"/>
-        <p:cNvGrpSpPr/>
-        <p:nvPr/>
-      </p:nvGrpSpPr>
-      <p:grpSpPr>
-        <a:xfrm>
-          <a:off x="0" y="0"/>
-          <a:ext cx="0" cy="0"/>
-          <a:chOff x="0" y="0"/>
-          <a:chExt cx="0" cy="0"/>
-        </a:xfrm>
-      </p:grpSpPr>
-      <p:sp>
-        <p:nvSpPr>
-          <p:cNvPr id="68" name="Google Shape;68;p3"/>
-          <p:cNvSpPr txBox="1">
-            <a:spLocks noGrp="1"/>
-          </p:cNvSpPr>
-          <p:nvPr>
-            <p:ph type="title"/>
-          </p:nvPr>
-        </p:nvSpPr>
-        <p:spPr>
-          <a:xfrm>
-            <a:off x="311700" y="445025"/>
-            <a:ext cx="8520600" cy="572700"/>
-          </a:xfrm>
-          <a:prstGeom prst="rect">
-            <a:avLst/>
-          </a:prstGeom>
-          <a:noFill/>
-          <a:ln>
-            <a:noFill/>
-          </a:ln>
-        </p:spPr>
-        <p:txBody>
-          <a:bodyPr spcFirstLastPara="1" wrap="square" lIns="91425" tIns="91425" rIns="91425" bIns="91425" anchor="t" anchorCtr="0">
-            <a:noAutofit/>
-          </a:bodyPr>
-          <a:lstStyle/>
-          <a:p>
-            <a:pPr marL="0" lvl="0" indent="0" algn="l" rtl="0">
-              <a:lnSpc>
-                <a:spcPct val="100000"/>
-              </a:lnSpc>
-              <a:spcBef>
-                <a:spcPts val="0"/>
-              </a:spcBef>
-              <a:spcAft>
-                <a:spcPts val="0"/>
-              </a:spcAft>
-              <a:buSzPts val="2800"/>
-              <a:buNone/>
-            </a:pPr>
-            <a:r>
-              <a:rPr lang="en" dirty="0"/>
-              <a:t>Progress</a:t>
-            </a:r>
-            <a:endParaRPr dirty="0"/>
-          </a:p>
-        </p:txBody>
-      </p:sp>
-      <p:sp>
-        <p:nvSpPr>
-          <p:cNvPr id="69" name="Google Shape;69;p3"/>
-          <p:cNvSpPr txBox="1">
-            <a:spLocks noGrp="1"/>
-          </p:cNvSpPr>
-          <p:nvPr>
-            <p:ph type="body" idx="1"/>
-          </p:nvPr>
-        </p:nvSpPr>
-        <p:spPr>
-          <a:xfrm>
-            <a:off x="311700" y="1152475"/>
-            <a:ext cx="8709458" cy="3416400"/>
-          </a:xfrm>
-          <a:prstGeom prst="rect">
-            <a:avLst/>
-          </a:prstGeom>
-          <a:noFill/>
-          <a:ln>
-            <a:noFill/>
-          </a:ln>
-        </p:spPr>
-        <p:txBody>
-          <a:bodyPr spcFirstLastPara="1" wrap="square" lIns="91425" tIns="91425" rIns="91425" bIns="91425" anchor="t" anchorCtr="0">
-            <a:noAutofit/>
-          </a:bodyPr>
-          <a:lstStyle/>
-          <a:p>
-            <a:pPr marL="457200" lvl="0" indent="-342900" algn="l" rtl="0">
-              <a:lnSpc>
-                <a:spcPct val="115000"/>
-              </a:lnSpc>
-              <a:spcBef>
-                <a:spcPts val="0"/>
-              </a:spcBef>
-              <a:spcAft>
-                <a:spcPts val="0"/>
-              </a:spcAft>
-              <a:buSzPts val="1800"/>
-              <a:buChar char="●"/>
-            </a:pPr>
-            <a:r>
-              <a:rPr lang="en-US" dirty="0"/>
-              <a:t>Test data parity plot of your optimized model performance from Section 5</a:t>
-            </a:r>
-          </a:p>
-        </p:txBody>
-      </p:sp>
-      <p:sp>
-        <p:nvSpPr>
-          <p:cNvPr id="70" name="Google Shape;70;p3"/>
-          <p:cNvSpPr txBox="1">
-            <a:spLocks noGrp="1"/>
-          </p:cNvSpPr>
-          <p:nvPr>
-            <p:ph type="sldNum" idx="12"/>
-          </p:nvPr>
-        </p:nvSpPr>
-        <p:spPr>
-          <a:xfrm>
-            <a:off x="8472458" y="4663217"/>
-            <a:ext cx="548700" cy="393600"/>
-          </a:xfrm>
-          <a:prstGeom prst="rect">
-            <a:avLst/>
-          </a:prstGeom>
-          <a:noFill/>
-          <a:ln>
-            <a:noFill/>
-          </a:ln>
-        </p:spPr>
-        <p:txBody>
-          <a:bodyPr spcFirstLastPara="1" wrap="square" lIns="91425" tIns="91425" rIns="91425" bIns="91425" anchor="ctr" anchorCtr="0">
-            <a:noAutofit/>
-          </a:bodyPr>
-          <a:lstStyle/>
-          <a:p>
-            <a:pPr marL="0" lvl="0" indent="0" algn="r" rtl="0">
-              <a:lnSpc>
-                <a:spcPct val="100000"/>
-              </a:lnSpc>
-              <a:spcBef>
-                <a:spcPts val="0"/>
-              </a:spcBef>
-              <a:spcAft>
-                <a:spcPts val="0"/>
-              </a:spcAft>
-              <a:buSzPts val="1000"/>
-              <a:buNone/>
-            </a:pPr>
-            <a:fld id="{00000000-1234-1234-1234-123412341234}" type="slidenum">
-              <a:rPr lang="en"/>
-              <a:t>5</a:t>
-            </a:fld>
-            <a:endParaRPr/>
-          </a:p>
-        </p:txBody>
-      </p:sp>
-      <p:sp>
-        <p:nvSpPr>
-          <p:cNvPr id="2" name="文本框 1">
-            <a:extLst>
-              <a:ext uri="{FF2B5EF4-FFF2-40B4-BE49-F238E27FC236}">
-                <a16:creationId xmlns:a16="http://schemas.microsoft.com/office/drawing/2014/main" id="{FADCD5F4-5C9A-4F01-92A2-005E561A1661}"/>
-              </a:ext>
-            </a:extLst>
-          </p:cNvPr>
-          <p:cNvSpPr txBox="1"/>
-          <p:nvPr/>
-        </p:nvSpPr>
-        <p:spPr>
-          <a:xfrm>
-            <a:off x="5054400" y="2860675"/>
-            <a:ext cx="3274342" cy="1015663"/>
-          </a:xfrm>
-          <a:prstGeom prst="rect">
-            <a:avLst/>
-          </a:prstGeom>
-          <a:noFill/>
-        </p:spPr>
-        <p:txBody>
-          <a:bodyPr wrap="square" rtlCol="0">
-            <a:spAutoFit/>
-          </a:bodyPr>
-          <a:lstStyle/>
-          <a:p>
-            <a:pPr algn="just"/>
-            <a:r>
-              <a:rPr lang="en-US" altLang="zh-CN" sz="1200" dirty="0"/>
-              <a:t>The scatter plot compares true values (x-axis) and predicted values (y-axis) of a machine learning model. Each blue dot represents a data point, with the dashed line indicating ideal predictions. The RMSE is 3.500.</a:t>
-            </a:r>
-          </a:p>
-        </p:txBody>
-      </p:sp>
+      </p:pic>
     </p:spTree>
     <p:extLst>
       <p:ext uri="{BB962C8B-B14F-4D97-AF65-F5344CB8AC3E}">
@@ -10822,7 +10857,7 @@
 </p:sld>
 </file>
 
-<file path=ppt/slides/slide6.xml><?xml version="1.0" encoding="utf-8"?>
+<file path=ppt/slides/slide11.xml><?xml version="1.0" encoding="utf-8"?>
 <p:sld xmlns:a="http://schemas.openxmlformats.org/drawingml/2006/main" xmlns:r="http://schemas.openxmlformats.org/officeDocument/2006/relationships" xmlns:p="http://schemas.openxmlformats.org/presentationml/2006/main">
   <p:cSld>
     <p:spTree>
@@ -10933,7 +10968,23 @@
             </a:pPr>
             <a:r>
               <a:rPr lang="en-US" dirty="0"/>
-              <a:t>I need to use another way to import data.</a:t>
+              <a:t>I had an issue caused by the version of the MAST-ML installation. Changing </a:t>
+            </a:r>
+            <a:r>
+              <a:rPr lang="en-US" dirty="0" err="1"/>
+              <a:t>featurize_df</a:t>
+            </a:r>
+            <a:r>
+              <a:rPr lang="en-US" dirty="0"/>
+              <a:t> to </a:t>
+            </a:r>
+            <a:r>
+              <a:rPr lang="en-US" dirty="0" err="1"/>
+              <a:t>composition_df</a:t>
+            </a:r>
+            <a:r>
+              <a:rPr lang="en-US" dirty="0"/>
+              <a:t> resolved the problem.</a:t>
             </a:r>
           </a:p>
         </p:txBody>
@@ -10982,12 +11033,42 @@
             </a:pPr>
             <a:fld id="{00000000-1234-1234-1234-123412341234}" type="slidenum">
               <a:rPr lang="en"/>
-              <a:t>6</a:t>
+              <a:t>11</a:t>
             </a:fld>
             <a:endParaRPr/>
           </a:p>
         </p:txBody>
       </p:sp>
+      <p:pic>
+        <p:nvPicPr>
+          <p:cNvPr id="5" name="图片 4">
+            <a:extLst>
+              <a:ext uri="{FF2B5EF4-FFF2-40B4-BE49-F238E27FC236}">
+                <a16:creationId xmlns:a16="http://schemas.microsoft.com/office/drawing/2014/main" id="{BD1BA015-90E6-D2C5-3ED9-DA82E6C4E7E3}"/>
+              </a:ext>
+            </a:extLst>
+          </p:cNvPr>
+          <p:cNvPicPr>
+            <a:picLocks noChangeAspect="1"/>
+          </p:cNvPicPr>
+          <p:nvPr/>
+        </p:nvPicPr>
+        <p:blipFill>
+          <a:blip r:embed="rId3"/>
+          <a:stretch>
+            <a:fillRect/>
+          </a:stretch>
+        </p:blipFill>
+        <p:spPr>
+          <a:xfrm>
+            <a:off x="1378800" y="2103559"/>
+            <a:ext cx="6386400" cy="2486916"/>
+          </a:xfrm>
+          <a:prstGeom prst="rect">
+            <a:avLst/>
+          </a:prstGeom>
+        </p:spPr>
+      </p:pic>
     </p:spTree>
   </p:cSld>
   <p:clrMapOvr>
@@ -10996,7 +11077,7 @@
 </p:sld>
 </file>
 
-<file path=ppt/slides/slide7.xml><?xml version="1.0" encoding="utf-8"?>
+<file path=ppt/slides/slide12.xml><?xml version="1.0" encoding="utf-8"?>
 <p:sld xmlns:a="http://schemas.openxmlformats.org/drawingml/2006/main" xmlns:r="http://schemas.openxmlformats.org/officeDocument/2006/relationships" xmlns:p="http://schemas.openxmlformats.org/presentationml/2006/main">
   <p:cSld>
     <p:spTree>
@@ -11107,7 +11188,15 @@
             </a:pPr>
             <a:r>
               <a:rPr lang="en-US" dirty="0"/>
-              <a:t>I tried running the last task but am not sure if I am on the right track. Could you please help me review the steps and confirm if everything is correct?</a:t>
+              <a:t>Can I use </a:t>
+            </a:r>
+            <a:r>
+              <a:rPr lang="en-US" dirty="0" err="1"/>
+              <a:t>GridSearch</a:t>
+            </a:r>
+            <a:r>
+              <a:rPr lang="en-US" dirty="0"/>
+              <a:t> along with cross-validation simultaneously?</a:t>
             </a:r>
           </a:p>
         </p:txBody>
@@ -11156,12 +11245,42 @@
             </a:pPr>
             <a:fld id="{00000000-1234-1234-1234-123412341234}" type="slidenum">
               <a:rPr lang="en"/>
-              <a:t>7</a:t>
+              <a:t>12</a:t>
             </a:fld>
             <a:endParaRPr/>
           </a:p>
         </p:txBody>
       </p:sp>
+      <p:pic>
+        <p:nvPicPr>
+          <p:cNvPr id="3" name="图片 2">
+            <a:extLst>
+              <a:ext uri="{FF2B5EF4-FFF2-40B4-BE49-F238E27FC236}">
+                <a16:creationId xmlns:a16="http://schemas.microsoft.com/office/drawing/2014/main" id="{D14E867E-65DE-ED0F-9608-631E76F0E5BC}"/>
+              </a:ext>
+            </a:extLst>
+          </p:cNvPr>
+          <p:cNvPicPr>
+            <a:picLocks noChangeAspect="1"/>
+          </p:cNvPicPr>
+          <p:nvPr/>
+        </p:nvPicPr>
+        <p:blipFill>
+          <a:blip r:embed="rId3"/>
+          <a:stretch>
+            <a:fillRect/>
+          </a:stretch>
+        </p:blipFill>
+        <p:spPr>
+          <a:xfrm>
+            <a:off x="1350434" y="1741421"/>
+            <a:ext cx="6250831" cy="2310507"/>
+          </a:xfrm>
+          <a:prstGeom prst="rect">
+            <a:avLst/>
+          </a:prstGeom>
+        </p:spPr>
+      </p:pic>
     </p:spTree>
   </p:cSld>
   <p:clrMapOvr>
@@ -11170,7 +11289,7 @@
 </p:sld>
 </file>
 
-<file path=ppt/slides/slide8.xml><?xml version="1.0" encoding="utf-8"?>
+<file path=ppt/slides/slide13.xml><?xml version="1.0" encoding="utf-8"?>
 <p:sld xmlns:a="http://schemas.openxmlformats.org/drawingml/2006/main" xmlns:r="http://schemas.openxmlformats.org/officeDocument/2006/relationships" xmlns:p="http://schemas.openxmlformats.org/presentationml/2006/main">
   <p:cSld>
     <p:spTree>
@@ -11244,7 +11363,7 @@
           <p:nvPr>
             <p:extLst>
               <p:ext uri="{D42A27DB-BD31-4B8C-83A1-F6EECF244321}">
-                <p14:modId xmlns:p14="http://schemas.microsoft.com/office/powerpoint/2010/main" val="1704550861"/>
+                <p14:modId xmlns:p14="http://schemas.microsoft.com/office/powerpoint/2010/main" val="966343732"/>
               </p:ext>
             </p:extLst>
           </p:nvPr>
@@ -11408,7 +11527,7 @@
                       </a:pPr>
                       <a:r>
                         <a:rPr lang="en-US" sz="1400" u="none" strike="noStrike" cap="none" dirty="0"/>
-                        <a:t>07/29/2024</a:t>
+                        <a:t>07/30/2024</a:t>
                       </a:r>
                       <a:endParaRPr sz="1400" u="none" strike="noStrike" cap="none" dirty="0"/>
                     </a:p>
@@ -11439,7 +11558,7 @@
                       </a:pPr>
                       <a:r>
                         <a:rPr lang="en-US" sz="1400" u="none" strike="noStrike" cap="none" dirty="0"/>
-                        <a:t>35 min</a:t>
+                        <a:t>5 hours</a:t>
                       </a:r>
                       <a:endParaRPr sz="1400" u="none" strike="noStrike" cap="none" dirty="0"/>
                     </a:p>
@@ -11794,13 +11913,2225 @@
             </a:pPr>
             <a:fld id="{00000000-1234-1234-1234-123412341234}" type="slidenum">
               <a:rPr lang="en"/>
+              <a:t>13</a:t>
+            </a:fld>
+            <a:endParaRPr/>
+          </a:p>
+        </p:txBody>
+      </p:sp>
+    </p:spTree>
+  </p:cSld>
+  <p:clrMapOvr>
+    <a:masterClrMapping/>
+  </p:clrMapOvr>
+</p:sld>
+</file>
+
+<file path=ppt/slides/slide2.xml><?xml version="1.0" encoding="utf-8"?>
+<p:sld xmlns:a="http://schemas.openxmlformats.org/drawingml/2006/main" xmlns:r="http://schemas.openxmlformats.org/officeDocument/2006/relationships" xmlns:p="http://schemas.openxmlformats.org/presentationml/2006/main">
+  <p:cSld>
+    <p:spTree>
+      <p:nvGrpSpPr>
+        <p:cNvPr id="1" name="Shape 61"/>
+        <p:cNvGrpSpPr/>
+        <p:nvPr/>
+      </p:nvGrpSpPr>
+      <p:grpSpPr>
+        <a:xfrm>
+          <a:off x="0" y="0"/>
+          <a:ext cx="0" cy="0"/>
+          <a:chOff x="0" y="0"/>
+          <a:chExt cx="0" cy="0"/>
+        </a:xfrm>
+      </p:grpSpPr>
+      <p:sp>
+        <p:nvSpPr>
+          <p:cNvPr id="62" name="Google Shape;62;p2"/>
+          <p:cNvSpPr txBox="1">
+            <a:spLocks noGrp="1"/>
+          </p:cNvSpPr>
+          <p:nvPr>
+            <p:ph type="ctrTitle"/>
+          </p:nvPr>
+        </p:nvSpPr>
+        <p:spPr>
+          <a:xfrm>
+            <a:off x="311708" y="734725"/>
+            <a:ext cx="8520600" cy="2052600"/>
+          </a:xfrm>
+          <a:prstGeom prst="rect">
+            <a:avLst/>
+          </a:prstGeom>
+          <a:noFill/>
+          <a:ln>
+            <a:noFill/>
+          </a:ln>
+        </p:spPr>
+        <p:txBody>
+          <a:bodyPr spcFirstLastPara="1" wrap="square" lIns="91425" tIns="91425" rIns="91425" bIns="91425" anchor="b" anchorCtr="0">
+            <a:noAutofit/>
+          </a:bodyPr>
+          <a:lstStyle/>
+          <a:p>
+            <a:pPr marL="0" lvl="0" indent="0" algn="ctr" rtl="0">
+              <a:lnSpc>
+                <a:spcPct val="100000"/>
+              </a:lnSpc>
+              <a:spcBef>
+                <a:spcPts val="0"/>
+              </a:spcBef>
+              <a:spcAft>
+                <a:spcPts val="0"/>
+              </a:spcAft>
+              <a:buSzPts val="5200"/>
+              <a:buNone/>
+            </a:pPr>
+            <a:r>
+              <a:rPr lang="en" dirty="0">
+                <a:extLst>
+                  <a:ext uri="http://customooxmlschemas.google.com/">
+                    <go:slidesCustomData xmlns="" xmlns:mc="http://schemas.openxmlformats.org/markup-compatibility/2006" xmlns:mv="urn:schemas-microsoft-com:mac:vml" xmlns:c="http://schemas.openxmlformats.org/drawingml/2006/chart" xmlns:dgm="http://schemas.openxmlformats.org/drawingml/2006/diagram" xmlns:o="urn:schemas-microsoft-com:office:office" xmlns:v="urn:schemas-microsoft-com:vml" xmlns:pvml="urn:schemas-microsoft-com:office:powerpoint" xmlns:com="http://schemas.openxmlformats.org/drawingml/2006/compatibility" xmlns:p14="http://schemas.microsoft.com/office/powerpoint/2010/main" xmlns:p15="http://schemas.microsoft.com/office/powerpoint/2012/main" xmlns:ahyp="http://schemas.microsoft.com/office/drawing/2018/hyperlinkcolor" xmlns:go="http://customooxmlschemas.google.com/" textRoundtripDataId="0"/>
+                  </a:ext>
+                </a:extLst>
+              </a:rPr>
+              <a:t>ML4ER </a:t>
+            </a:r>
+            <a:r>
+              <a:rPr lang="en-US" dirty="0">
+                <a:extLst>
+                  <a:ext uri="http://customooxmlschemas.google.com/">
+                    <go:slidesCustomData xmlns="" xmlns:mc="http://schemas.openxmlformats.org/markup-compatibility/2006" xmlns:mv="urn:schemas-microsoft-com:mac:vml" xmlns:c="http://schemas.openxmlformats.org/drawingml/2006/chart" xmlns:dgm="http://schemas.openxmlformats.org/drawingml/2006/diagram" xmlns:o="urn:schemas-microsoft-com:office:office" xmlns:v="urn:schemas-microsoft-com:vml" xmlns:pvml="urn:schemas-microsoft-com:office:powerpoint" xmlns:com="http://schemas.openxmlformats.org/drawingml/2006/compatibility" xmlns:p14="http://schemas.microsoft.com/office/powerpoint/2010/main" xmlns:p15="http://schemas.microsoft.com/office/powerpoint/2012/main" xmlns:ahyp="http://schemas.microsoft.com/office/drawing/2018/hyperlinkcolor" xmlns:go="http://customooxmlschemas.google.com/" textRoundtripDataId="0"/>
+                  </a:ext>
+                </a:extLst>
+              </a:rPr>
+              <a:t>Assignment 5</a:t>
+            </a:r>
+            <a:endParaRPr dirty="0"/>
+          </a:p>
+        </p:txBody>
+      </p:sp>
+      <p:sp>
+        <p:nvSpPr>
+          <p:cNvPr id="63" name="Google Shape;63;p2"/>
+          <p:cNvSpPr txBox="1">
+            <a:spLocks noGrp="1"/>
+          </p:cNvSpPr>
+          <p:nvPr>
+            <p:ph type="subTitle" idx="1"/>
+          </p:nvPr>
+        </p:nvSpPr>
+        <p:spPr>
+          <a:xfrm>
+            <a:off x="311700" y="2834125"/>
+            <a:ext cx="8520600" cy="1755600"/>
+          </a:xfrm>
+          <a:prstGeom prst="rect">
+            <a:avLst/>
+          </a:prstGeom>
+          <a:noFill/>
+          <a:ln>
+            <a:noFill/>
+          </a:ln>
+        </p:spPr>
+        <p:txBody>
+          <a:bodyPr spcFirstLastPara="1" wrap="square" lIns="91425" tIns="91425" rIns="91425" bIns="91425" anchor="t" anchorCtr="0">
+            <a:noAutofit/>
+          </a:bodyPr>
+          <a:lstStyle/>
+          <a:p>
+            <a:pPr marL="0" lvl="0" indent="0" algn="ctr" rtl="0">
+              <a:lnSpc>
+                <a:spcPct val="100000"/>
+              </a:lnSpc>
+              <a:spcBef>
+                <a:spcPts val="0"/>
+              </a:spcBef>
+              <a:spcAft>
+                <a:spcPts val="0"/>
+              </a:spcAft>
+              <a:buSzPts val="2800"/>
+              <a:buNone/>
+            </a:pPr>
+            <a:r>
+              <a:rPr lang="en" dirty="0">
+                <a:extLst>
+                  <a:ext uri="http://customooxmlschemas.google.com/">
+                    <go:slidesCustomData xmlns="" xmlns:mc="http://schemas.openxmlformats.org/markup-compatibility/2006" xmlns:mv="urn:schemas-microsoft-com:mac:vml" xmlns:c="http://schemas.openxmlformats.org/drawingml/2006/chart" xmlns:dgm="http://schemas.openxmlformats.org/drawingml/2006/diagram" xmlns:o="urn:schemas-microsoft-com:office:office" xmlns:v="urn:schemas-microsoft-com:vml" xmlns:pvml="urn:schemas-microsoft-com:office:powerpoint" xmlns:com="http://schemas.openxmlformats.org/drawingml/2006/compatibility" xmlns:p14="http://schemas.microsoft.com/office/powerpoint/2010/main" xmlns:p15="http://schemas.microsoft.com/office/powerpoint/2012/main" xmlns:ahyp="http://schemas.microsoft.com/office/drawing/2018/hyperlinkcolor" xmlns:go="http://customooxmlschemas.google.com/" textRoundtripDataId="1"/>
+                  </a:ext>
+                </a:extLst>
+              </a:rPr>
+              <a:t>J</a:t>
+            </a:r>
+            <a:r>
+              <a:rPr lang="en-US" altLang="zh-CN" dirty="0" err="1">
+                <a:extLst>
+                  <a:ext uri="http://customooxmlschemas.google.com/">
+                    <go:slidesCustomData xmlns="" xmlns:mc="http://schemas.openxmlformats.org/markup-compatibility/2006" xmlns:mv="urn:schemas-microsoft-com:mac:vml" xmlns:c="http://schemas.openxmlformats.org/drawingml/2006/chart" xmlns:dgm="http://schemas.openxmlformats.org/drawingml/2006/diagram" xmlns:o="urn:schemas-microsoft-com:office:office" xmlns:v="urn:schemas-microsoft-com:vml" xmlns:pvml="urn:schemas-microsoft-com:office:powerpoint" xmlns:com="http://schemas.openxmlformats.org/drawingml/2006/compatibility" xmlns:p14="http://schemas.microsoft.com/office/powerpoint/2010/main" xmlns:p15="http://schemas.microsoft.com/office/powerpoint/2012/main" xmlns:ahyp="http://schemas.microsoft.com/office/drawing/2018/hyperlinkcolor" xmlns:go="http://customooxmlschemas.google.com/" textRoundtripDataId="1"/>
+                  </a:ext>
+                </a:extLst>
+              </a:rPr>
+              <a:t>iahui</a:t>
+            </a:r>
+            <a:r>
+              <a:rPr lang="en-US" altLang="zh-CN" dirty="0">
+                <a:extLst>
+                  <a:ext uri="http://customooxmlschemas.google.com/">
+                    <go:slidesCustomData xmlns="" xmlns:mc="http://schemas.openxmlformats.org/markup-compatibility/2006" xmlns:mv="urn:schemas-microsoft-com:mac:vml" xmlns:c="http://schemas.openxmlformats.org/drawingml/2006/chart" xmlns:dgm="http://schemas.openxmlformats.org/drawingml/2006/diagram" xmlns:o="urn:schemas-microsoft-com:office:office" xmlns:v="urn:schemas-microsoft-com:vml" xmlns:pvml="urn:schemas-microsoft-com:office:powerpoint" xmlns:com="http://schemas.openxmlformats.org/drawingml/2006/compatibility" xmlns:p14="http://schemas.microsoft.com/office/powerpoint/2010/main" xmlns:p15="http://schemas.microsoft.com/office/powerpoint/2012/main" xmlns:ahyp="http://schemas.microsoft.com/office/drawing/2018/hyperlinkcolor" xmlns:go="http://customooxmlschemas.google.com/" textRoundtripDataId="1"/>
+                  </a:ext>
+                </a:extLst>
+              </a:rPr>
+              <a:t> Yang</a:t>
+            </a:r>
+            <a:endParaRPr dirty="0">
+              <a:extLst>
+                <a:ext uri="http://customooxmlschemas.google.com/">
+                  <go:slidesCustomData xmlns="" xmlns:mc="http://schemas.openxmlformats.org/markup-compatibility/2006" xmlns:mv="urn:schemas-microsoft-com:mac:vml" xmlns:c="http://schemas.openxmlformats.org/drawingml/2006/chart" xmlns:dgm="http://schemas.openxmlformats.org/drawingml/2006/diagram" xmlns:o="urn:schemas-microsoft-com:office:office" xmlns:v="urn:schemas-microsoft-com:vml" xmlns:pvml="urn:schemas-microsoft-com:office:powerpoint" xmlns:com="http://schemas.openxmlformats.org/drawingml/2006/compatibility" xmlns:p14="http://schemas.microsoft.com/office/powerpoint/2010/main" xmlns:p15="http://schemas.microsoft.com/office/powerpoint/2012/main" xmlns:ahyp="http://schemas.microsoft.com/office/drawing/2018/hyperlinkcolor" xmlns:go="http://customooxmlschemas.google.com/" textRoundtripDataId="2"/>
+                </a:ext>
+              </a:extLst>
+            </a:endParaRPr>
+          </a:p>
+          <a:p>
+            <a:pPr marL="0" lvl="0" indent="0" algn="ctr" rtl="0">
+              <a:lnSpc>
+                <a:spcPct val="100000"/>
+              </a:lnSpc>
+              <a:spcBef>
+                <a:spcPts val="0"/>
+              </a:spcBef>
+              <a:spcAft>
+                <a:spcPts val="0"/>
+              </a:spcAft>
+              <a:buSzPts val="2800"/>
+              <a:buNone/>
+            </a:pPr>
+            <a:r>
+              <a:rPr lang="en" dirty="0">
+                <a:extLst>
+                  <a:ext uri="http://customooxmlschemas.google.com/">
+                    <go:slidesCustomData xmlns="" xmlns:mc="http://schemas.openxmlformats.org/markup-compatibility/2006" xmlns:mv="urn:schemas-microsoft-com:mac:vml" xmlns:c="http://schemas.openxmlformats.org/drawingml/2006/chart" xmlns:dgm="http://schemas.openxmlformats.org/drawingml/2006/diagram" xmlns:o="urn:schemas-microsoft-com:office:office" xmlns:v="urn:schemas-microsoft-com:vml" xmlns:pvml="urn:schemas-microsoft-com:office:powerpoint" xmlns:com="http://schemas.openxmlformats.org/drawingml/2006/compatibility" xmlns:p14="http://schemas.microsoft.com/office/powerpoint/2010/main" xmlns:p15="http://schemas.microsoft.com/office/powerpoint/2012/main" xmlns:ahyp="http://schemas.microsoft.com/office/drawing/2018/hyperlinkcolor" xmlns:go="http://customooxmlschemas.google.com/" textRoundtripDataId="3"/>
+                  </a:ext>
+                </a:extLst>
+              </a:rPr>
+              <a:t>Informatics Skunkworks</a:t>
+            </a:r>
+          </a:p>
+          <a:p>
+            <a:pPr marL="0" lvl="0" indent="0" algn="ctr" rtl="0">
+              <a:lnSpc>
+                <a:spcPct val="100000"/>
+              </a:lnSpc>
+              <a:spcBef>
+                <a:spcPts val="0"/>
+              </a:spcBef>
+              <a:spcAft>
+                <a:spcPts val="0"/>
+              </a:spcAft>
+              <a:buSzPts val="2800"/>
+              <a:buNone/>
+            </a:pPr>
+            <a:r>
+              <a:rPr lang="en" dirty="0">
+                <a:extLst>
+                  <a:ext uri="http://customooxmlschemas.google.com/">
+                    <go:slidesCustomData xmlns="" xmlns:mc="http://schemas.openxmlformats.org/markup-compatibility/2006" xmlns:mv="urn:schemas-microsoft-com:mac:vml" xmlns:c="http://schemas.openxmlformats.org/drawingml/2006/chart" xmlns:dgm="http://schemas.openxmlformats.org/drawingml/2006/diagram" xmlns:o="urn:schemas-microsoft-com:office:office" xmlns:v="urn:schemas-microsoft-com:vml" xmlns:pvml="urn:schemas-microsoft-com:office:powerpoint" xmlns:com="http://schemas.openxmlformats.org/drawingml/2006/compatibility" xmlns:p14="http://schemas.microsoft.com/office/powerpoint/2010/main" xmlns:p15="http://schemas.microsoft.com/office/powerpoint/2012/main" xmlns:ahyp="http://schemas.microsoft.com/office/drawing/2018/hyperlinkcolor" xmlns:go="http://customooxmlschemas.google.com/" textRoundtripDataId="4"/>
+                  </a:ext>
+                </a:extLst>
+              </a:rPr>
+              <a:t>MSE 401</a:t>
+            </a:r>
+            <a:r>
+              <a:rPr lang="en" dirty="0">
+                <a:extLst>
+                  <a:ext uri="http://customooxmlschemas.google.com/">
+                    <go:slidesCustomData xmlns="" xmlns:mc="http://schemas.openxmlformats.org/markup-compatibility/2006" xmlns:mv="urn:schemas-microsoft-com:mac:vml" xmlns:c="http://schemas.openxmlformats.org/drawingml/2006/chart" xmlns:dgm="http://schemas.openxmlformats.org/drawingml/2006/diagram" xmlns:o="urn:schemas-microsoft-com:office:office" xmlns:v="urn:schemas-microsoft-com:vml" xmlns:pvml="urn:schemas-microsoft-com:office:powerpoint" xmlns:com="http://schemas.openxmlformats.org/drawingml/2006/compatibility" xmlns:p14="http://schemas.microsoft.com/office/powerpoint/2010/main" xmlns:p15="http://schemas.microsoft.com/office/powerpoint/2012/main" xmlns:ahyp="http://schemas.microsoft.com/office/drawing/2018/hyperlinkcolor" xmlns:go="http://customooxmlschemas.google.com/" textRoundtripDataId="5"/>
+                  </a:ext>
+                </a:extLst>
+              </a:rPr>
+              <a:t>, 3 Credits</a:t>
+            </a:r>
+            <a:endParaRPr dirty="0">
+              <a:extLst>
+                <a:ext uri="http://customooxmlschemas.google.com/">
+                  <go:slidesCustomData xmlns="" xmlns:mc="http://schemas.openxmlformats.org/markup-compatibility/2006" xmlns:mv="urn:schemas-microsoft-com:mac:vml" xmlns:c="http://schemas.openxmlformats.org/drawingml/2006/chart" xmlns:dgm="http://schemas.openxmlformats.org/drawingml/2006/diagram" xmlns:o="urn:schemas-microsoft-com:office:office" xmlns:v="urn:schemas-microsoft-com:vml" xmlns:pvml="urn:schemas-microsoft-com:office:powerpoint" xmlns:com="http://schemas.openxmlformats.org/drawingml/2006/compatibility" xmlns:p14="http://schemas.microsoft.com/office/powerpoint/2010/main" xmlns:p15="http://schemas.microsoft.com/office/powerpoint/2012/main" xmlns:ahyp="http://schemas.microsoft.com/office/drawing/2018/hyperlinkcolor" xmlns:go="http://customooxmlschemas.google.com/" textRoundtripDataId="6"/>
+                </a:ext>
+              </a:extLst>
+            </a:endParaRPr>
+          </a:p>
+          <a:p>
+            <a:pPr marL="0" lvl="0" indent="0" algn="ctr" rtl="0">
+              <a:lnSpc>
+                <a:spcPct val="100000"/>
+              </a:lnSpc>
+              <a:spcBef>
+                <a:spcPts val="0"/>
+              </a:spcBef>
+              <a:spcAft>
+                <a:spcPts val="0"/>
+              </a:spcAft>
+              <a:buSzPts val="2800"/>
+              <a:buNone/>
+            </a:pPr>
+            <a:r>
+              <a:rPr lang="en-US" dirty="0">
+                <a:extLst>
+                  <a:ext uri="http://customooxmlschemas.google.com/">
+                    <go:slidesCustomData xmlns="" xmlns:mc="http://schemas.openxmlformats.org/markup-compatibility/2006" xmlns:mv="urn:schemas-microsoft-com:mac:vml" xmlns:c="http://schemas.openxmlformats.org/drawingml/2006/chart" xmlns:dgm="http://schemas.openxmlformats.org/drawingml/2006/diagram" xmlns:o="urn:schemas-microsoft-com:office:office" xmlns:v="urn:schemas-microsoft-com:vml" xmlns:pvml="urn:schemas-microsoft-com:office:powerpoint" xmlns:com="http://schemas.openxmlformats.org/drawingml/2006/compatibility" xmlns:p14="http://schemas.microsoft.com/office/powerpoint/2010/main" xmlns:p15="http://schemas.microsoft.com/office/powerpoint/2012/main" xmlns:ahyp="http://schemas.microsoft.com/office/drawing/2018/hyperlinkcolor" xmlns:go="http://customooxmlschemas.google.com/" textRoundtripDataId="7"/>
+                  </a:ext>
+                </a:extLst>
+              </a:rPr>
+              <a:t>A</a:t>
+            </a:r>
+            <a:r>
+              <a:rPr lang="en-US" altLang="zh-CN" dirty="0">
+                <a:extLst>
+                  <a:ext uri="http://customooxmlschemas.google.com/">
+                    <go:slidesCustomData xmlns="" xmlns:mc="http://schemas.openxmlformats.org/markup-compatibility/2006" xmlns:mv="urn:schemas-microsoft-com:mac:vml" xmlns:c="http://schemas.openxmlformats.org/drawingml/2006/chart" xmlns:dgm="http://schemas.openxmlformats.org/drawingml/2006/diagram" xmlns:o="urn:schemas-microsoft-com:office:office" xmlns:v="urn:schemas-microsoft-com:vml" xmlns:pvml="urn:schemas-microsoft-com:office:powerpoint" xmlns:com="http://schemas.openxmlformats.org/drawingml/2006/compatibility" xmlns:p14="http://schemas.microsoft.com/office/powerpoint/2010/main" xmlns:p15="http://schemas.microsoft.com/office/powerpoint/2012/main" xmlns:ahyp="http://schemas.microsoft.com/office/drawing/2018/hyperlinkcolor" xmlns:go="http://customooxmlschemas.google.com/" textRoundtripDataId="7"/>
+                  </a:ext>
+                </a:extLst>
+              </a:rPr>
+              <a:t>ug</a:t>
+            </a:r>
+            <a:r>
+              <a:rPr lang="en-US" dirty="0">
+                <a:extLst>
+                  <a:ext uri="http://customooxmlschemas.google.com/">
+                    <go:slidesCustomData xmlns="" xmlns:mc="http://schemas.openxmlformats.org/markup-compatibility/2006" xmlns:mv="urn:schemas-microsoft-com:mac:vml" xmlns:c="http://schemas.openxmlformats.org/drawingml/2006/chart" xmlns:dgm="http://schemas.openxmlformats.org/drawingml/2006/diagram" xmlns:o="urn:schemas-microsoft-com:office:office" xmlns:v="urn:schemas-microsoft-com:vml" xmlns:pvml="urn:schemas-microsoft-com:office:powerpoint" xmlns:com="http://schemas.openxmlformats.org/drawingml/2006/compatibility" xmlns:p14="http://schemas.microsoft.com/office/powerpoint/2010/main" xmlns:p15="http://schemas.microsoft.com/office/powerpoint/2012/main" xmlns:ahyp="http://schemas.microsoft.com/office/drawing/2018/hyperlinkcolor" xmlns:go="http://customooxmlschemas.google.com/" textRoundtripDataId="7"/>
+                  </a:ext>
+                </a:extLst>
+              </a:rPr>
+              <a:t> 01 2024</a:t>
+            </a:r>
+            <a:endParaRPr dirty="0"/>
+          </a:p>
+        </p:txBody>
+      </p:sp>
+    </p:spTree>
+  </p:cSld>
+  <p:clrMapOvr>
+    <a:masterClrMapping/>
+  </p:clrMapOvr>
+</p:sld>
+</file>
+
+<file path=ppt/slides/slide3.xml><?xml version="1.0" encoding="utf-8"?>
+<p:sld xmlns:a="http://schemas.openxmlformats.org/drawingml/2006/main" xmlns:r="http://schemas.openxmlformats.org/officeDocument/2006/relationships" xmlns:p="http://schemas.openxmlformats.org/presentationml/2006/main">
+  <p:cSld>
+    <p:spTree>
+      <p:nvGrpSpPr>
+        <p:cNvPr id="1" name="Shape 67"/>
+        <p:cNvGrpSpPr/>
+        <p:nvPr/>
+      </p:nvGrpSpPr>
+      <p:grpSpPr>
+        <a:xfrm>
+          <a:off x="0" y="0"/>
+          <a:ext cx="0" cy="0"/>
+          <a:chOff x="0" y="0"/>
+          <a:chExt cx="0" cy="0"/>
+        </a:xfrm>
+      </p:grpSpPr>
+      <p:sp>
+        <p:nvSpPr>
+          <p:cNvPr id="68" name="Google Shape;68;p3"/>
+          <p:cNvSpPr txBox="1">
+            <a:spLocks noGrp="1"/>
+          </p:cNvSpPr>
+          <p:nvPr>
+            <p:ph type="title"/>
+          </p:nvPr>
+        </p:nvSpPr>
+        <p:spPr>
+          <a:xfrm>
+            <a:off x="311700" y="445025"/>
+            <a:ext cx="8520600" cy="572700"/>
+          </a:xfrm>
+          <a:prstGeom prst="rect">
+            <a:avLst/>
+          </a:prstGeom>
+          <a:noFill/>
+          <a:ln>
+            <a:noFill/>
+          </a:ln>
+        </p:spPr>
+        <p:txBody>
+          <a:bodyPr spcFirstLastPara="1" wrap="square" lIns="91425" tIns="91425" rIns="91425" bIns="91425" anchor="t" anchorCtr="0">
+            <a:noAutofit/>
+          </a:bodyPr>
+          <a:lstStyle/>
+          <a:p>
+            <a:pPr marL="0" lvl="0" indent="0" algn="l" rtl="0">
+              <a:lnSpc>
+                <a:spcPct val="100000"/>
+              </a:lnSpc>
+              <a:spcBef>
+                <a:spcPts val="0"/>
+              </a:spcBef>
+              <a:spcAft>
+                <a:spcPts val="0"/>
+              </a:spcAft>
+              <a:buSzPts val="2800"/>
+              <a:buNone/>
+            </a:pPr>
+            <a:r>
+              <a:rPr lang="en"/>
+              <a:t>Progress</a:t>
+            </a:r>
+            <a:endParaRPr/>
+          </a:p>
+        </p:txBody>
+      </p:sp>
+      <p:sp>
+        <p:nvSpPr>
+          <p:cNvPr id="69" name="Google Shape;69;p3"/>
+          <p:cNvSpPr txBox="1">
+            <a:spLocks noGrp="1"/>
+          </p:cNvSpPr>
+          <p:nvPr>
+            <p:ph type="body" idx="1"/>
+          </p:nvPr>
+        </p:nvSpPr>
+        <p:spPr>
+          <a:xfrm>
+            <a:off x="311700" y="1152475"/>
+            <a:ext cx="8520600" cy="3416400"/>
+          </a:xfrm>
+          <a:prstGeom prst="rect">
+            <a:avLst/>
+          </a:prstGeom>
+          <a:noFill/>
+          <a:ln>
+            <a:noFill/>
+          </a:ln>
+        </p:spPr>
+        <p:txBody>
+          <a:bodyPr spcFirstLastPara="1" wrap="square" lIns="91425" tIns="91425" rIns="91425" bIns="91425" anchor="t" anchorCtr="0">
+            <a:noAutofit/>
+          </a:bodyPr>
+          <a:lstStyle/>
+          <a:p>
+            <a:pPr marL="457200" lvl="0" indent="-342900" algn="l" rtl="0">
+              <a:lnSpc>
+                <a:spcPct val="115000"/>
+              </a:lnSpc>
+              <a:spcBef>
+                <a:spcPts val="0"/>
+              </a:spcBef>
+              <a:spcAft>
+                <a:spcPts val="0"/>
+              </a:spcAft>
+              <a:buSzPts val="1800"/>
+              <a:buChar char="●"/>
+            </a:pPr>
+            <a:r>
+              <a:rPr lang="en-US" dirty="0"/>
+              <a:t>Section 5 Step 1 and Step 2</a:t>
+            </a:r>
+          </a:p>
+        </p:txBody>
+      </p:sp>
+      <p:sp>
+        <p:nvSpPr>
+          <p:cNvPr id="70" name="Google Shape;70;p3"/>
+          <p:cNvSpPr txBox="1">
+            <a:spLocks noGrp="1"/>
+          </p:cNvSpPr>
+          <p:nvPr>
+            <p:ph type="sldNum" idx="12"/>
+          </p:nvPr>
+        </p:nvSpPr>
+        <p:spPr>
+          <a:xfrm>
+            <a:off x="8472458" y="4663217"/>
+            <a:ext cx="548700" cy="393600"/>
+          </a:xfrm>
+          <a:prstGeom prst="rect">
+            <a:avLst/>
+          </a:prstGeom>
+          <a:noFill/>
+          <a:ln>
+            <a:noFill/>
+          </a:ln>
+        </p:spPr>
+        <p:txBody>
+          <a:bodyPr spcFirstLastPara="1" wrap="square" lIns="91425" tIns="91425" rIns="91425" bIns="91425" anchor="ctr" anchorCtr="0">
+            <a:noAutofit/>
+          </a:bodyPr>
+          <a:lstStyle/>
+          <a:p>
+            <a:pPr marL="0" lvl="0" indent="0" algn="r" rtl="0">
+              <a:lnSpc>
+                <a:spcPct val="100000"/>
+              </a:lnSpc>
+              <a:spcBef>
+                <a:spcPts val="0"/>
+              </a:spcBef>
+              <a:spcAft>
+                <a:spcPts val="0"/>
+              </a:spcAft>
+              <a:buSzPts val="1000"/>
+              <a:buNone/>
+            </a:pPr>
+            <a:fld id="{00000000-1234-1234-1234-123412341234}" type="slidenum">
+              <a:rPr lang="en"/>
+              <a:t>3</a:t>
+            </a:fld>
+            <a:endParaRPr/>
+          </a:p>
+        </p:txBody>
+      </p:sp>
+      <p:pic>
+        <p:nvPicPr>
+          <p:cNvPr id="4" name="图片 3">
+            <a:extLst>
+              <a:ext uri="{FF2B5EF4-FFF2-40B4-BE49-F238E27FC236}">
+                <a16:creationId xmlns:a16="http://schemas.microsoft.com/office/drawing/2014/main" id="{2071F976-046B-B4B9-90E3-FCC0562CCB61}"/>
+              </a:ext>
+            </a:extLst>
+          </p:cNvPr>
+          <p:cNvPicPr>
+            <a:picLocks noChangeAspect="1"/>
+          </p:cNvPicPr>
+          <p:nvPr/>
+        </p:nvPicPr>
+        <p:blipFill rotWithShape="1">
+          <a:blip r:embed="rId3"/>
+          <a:srcRect t="41442"/>
+          <a:stretch/>
+        </p:blipFill>
+        <p:spPr>
+          <a:xfrm>
+            <a:off x="1195200" y="1942666"/>
+            <a:ext cx="6753600" cy="1836017"/>
+          </a:xfrm>
+          <a:prstGeom prst="rect">
+            <a:avLst/>
+          </a:prstGeom>
+        </p:spPr>
+      </p:pic>
+      <p:sp>
+        <p:nvSpPr>
+          <p:cNvPr id="5" name="文本框 4">
+            <a:extLst>
+              <a:ext uri="{FF2B5EF4-FFF2-40B4-BE49-F238E27FC236}">
+                <a16:creationId xmlns:a16="http://schemas.microsoft.com/office/drawing/2014/main" id="{5B0FC9D6-4DD8-73F6-9352-33E9539B7D44}"/>
+              </a:ext>
+            </a:extLst>
+          </p:cNvPr>
+          <p:cNvSpPr txBox="1"/>
+          <p:nvPr/>
+        </p:nvSpPr>
+        <p:spPr>
+          <a:xfrm>
+            <a:off x="3492000" y="3924553"/>
+            <a:ext cx="4456800" cy="738664"/>
+          </a:xfrm>
+          <a:prstGeom prst="rect">
+            <a:avLst/>
+          </a:prstGeom>
+          <a:noFill/>
+        </p:spPr>
+        <p:txBody>
+          <a:bodyPr wrap="square" rtlCol="0">
+            <a:spAutoFit/>
+          </a:bodyPr>
+          <a:lstStyle/>
+          <a:p>
+            <a:r>
+              <a:rPr lang="en-US" altLang="zh-CN"/>
+              <a:t>Import the Ridge model from sklearn.linear_model and create a default Ridge model using SklearnModel, specifying the evaluation metrics.</a:t>
+            </a:r>
+            <a:endParaRPr lang="zh-CN" altLang="en-US" dirty="0"/>
+          </a:p>
+        </p:txBody>
+      </p:sp>
+    </p:spTree>
+    <p:extLst>
+      <p:ext uri="{BB962C8B-B14F-4D97-AF65-F5344CB8AC3E}">
+        <p14:creationId xmlns:p14="http://schemas.microsoft.com/office/powerpoint/2010/main" val="3577161352"/>
+      </p:ext>
+    </p:extLst>
+  </p:cSld>
+  <p:clrMapOvr>
+    <a:masterClrMapping/>
+  </p:clrMapOvr>
+</p:sld>
+</file>
+
+<file path=ppt/slides/slide4.xml><?xml version="1.0" encoding="utf-8"?>
+<p:sld xmlns:a="http://schemas.openxmlformats.org/drawingml/2006/main" xmlns:r="http://schemas.openxmlformats.org/officeDocument/2006/relationships" xmlns:p="http://schemas.openxmlformats.org/presentationml/2006/main">
+  <p:cSld>
+    <p:spTree>
+      <p:nvGrpSpPr>
+        <p:cNvPr id="1" name="Shape 67"/>
+        <p:cNvGrpSpPr/>
+        <p:nvPr/>
+      </p:nvGrpSpPr>
+      <p:grpSpPr>
+        <a:xfrm>
+          <a:off x="0" y="0"/>
+          <a:ext cx="0" cy="0"/>
+          <a:chOff x="0" y="0"/>
+          <a:chExt cx="0" cy="0"/>
+        </a:xfrm>
+      </p:grpSpPr>
+      <p:sp>
+        <p:nvSpPr>
+          <p:cNvPr id="68" name="Google Shape;68;p3"/>
+          <p:cNvSpPr txBox="1">
+            <a:spLocks noGrp="1"/>
+          </p:cNvSpPr>
+          <p:nvPr>
+            <p:ph type="title"/>
+          </p:nvPr>
+        </p:nvSpPr>
+        <p:spPr>
+          <a:xfrm>
+            <a:off x="311700" y="445025"/>
+            <a:ext cx="8520600" cy="572700"/>
+          </a:xfrm>
+          <a:prstGeom prst="rect">
+            <a:avLst/>
+          </a:prstGeom>
+          <a:noFill/>
+          <a:ln>
+            <a:noFill/>
+          </a:ln>
+        </p:spPr>
+        <p:txBody>
+          <a:bodyPr spcFirstLastPara="1" wrap="square" lIns="91425" tIns="91425" rIns="91425" bIns="91425" anchor="t" anchorCtr="0">
+            <a:noAutofit/>
+          </a:bodyPr>
+          <a:lstStyle/>
+          <a:p>
+            <a:pPr marL="0" lvl="0" indent="0" algn="l" rtl="0">
+              <a:lnSpc>
+                <a:spcPct val="100000"/>
+              </a:lnSpc>
+              <a:spcBef>
+                <a:spcPts val="0"/>
+              </a:spcBef>
+              <a:spcAft>
+                <a:spcPts val="0"/>
+              </a:spcAft>
+              <a:buSzPts val="2800"/>
+              <a:buNone/>
+            </a:pPr>
+            <a:r>
+              <a:rPr lang="en"/>
+              <a:t>Progress</a:t>
+            </a:r>
+            <a:endParaRPr/>
+          </a:p>
+        </p:txBody>
+      </p:sp>
+      <p:sp>
+        <p:nvSpPr>
+          <p:cNvPr id="69" name="Google Shape;69;p3"/>
+          <p:cNvSpPr txBox="1">
+            <a:spLocks noGrp="1"/>
+          </p:cNvSpPr>
+          <p:nvPr>
+            <p:ph type="body" idx="1"/>
+          </p:nvPr>
+        </p:nvSpPr>
+        <p:spPr>
+          <a:xfrm>
+            <a:off x="311700" y="1152475"/>
+            <a:ext cx="8520600" cy="3416400"/>
+          </a:xfrm>
+          <a:prstGeom prst="rect">
+            <a:avLst/>
+          </a:prstGeom>
+          <a:noFill/>
+          <a:ln>
+            <a:noFill/>
+          </a:ln>
+        </p:spPr>
+        <p:txBody>
+          <a:bodyPr spcFirstLastPara="1" wrap="square" lIns="91425" tIns="91425" rIns="91425" bIns="91425" anchor="t" anchorCtr="0">
+            <a:noAutofit/>
+          </a:bodyPr>
+          <a:lstStyle/>
+          <a:p>
+            <a:pPr marL="457200" lvl="0" indent="-342900" algn="l" rtl="0">
+              <a:lnSpc>
+                <a:spcPct val="115000"/>
+              </a:lnSpc>
+              <a:spcBef>
+                <a:spcPts val="0"/>
+              </a:spcBef>
+              <a:spcAft>
+                <a:spcPts val="0"/>
+              </a:spcAft>
+              <a:buSzPts val="1800"/>
+              <a:buChar char="●"/>
+            </a:pPr>
+            <a:r>
+              <a:rPr lang="en-US" dirty="0"/>
+              <a:t>Section 5 Step 2</a:t>
+            </a:r>
+          </a:p>
+        </p:txBody>
+      </p:sp>
+      <p:sp>
+        <p:nvSpPr>
+          <p:cNvPr id="70" name="Google Shape;70;p3"/>
+          <p:cNvSpPr txBox="1">
+            <a:spLocks noGrp="1"/>
+          </p:cNvSpPr>
+          <p:nvPr>
+            <p:ph type="sldNum" idx="12"/>
+          </p:nvPr>
+        </p:nvSpPr>
+        <p:spPr>
+          <a:xfrm>
+            <a:off x="8472458" y="4663217"/>
+            <a:ext cx="548700" cy="393600"/>
+          </a:xfrm>
+          <a:prstGeom prst="rect">
+            <a:avLst/>
+          </a:prstGeom>
+          <a:noFill/>
+          <a:ln>
+            <a:noFill/>
+          </a:ln>
+        </p:spPr>
+        <p:txBody>
+          <a:bodyPr spcFirstLastPara="1" wrap="square" lIns="91425" tIns="91425" rIns="91425" bIns="91425" anchor="ctr" anchorCtr="0">
+            <a:noAutofit/>
+          </a:bodyPr>
+          <a:lstStyle/>
+          <a:p>
+            <a:pPr marL="0" lvl="0" indent="0" algn="r" rtl="0">
+              <a:lnSpc>
+                <a:spcPct val="100000"/>
+              </a:lnSpc>
+              <a:spcBef>
+                <a:spcPts val="0"/>
+              </a:spcBef>
+              <a:spcAft>
+                <a:spcPts val="0"/>
+              </a:spcAft>
+              <a:buSzPts val="1000"/>
+              <a:buNone/>
+            </a:pPr>
+            <a:fld id="{00000000-1234-1234-1234-123412341234}" type="slidenum">
+              <a:rPr lang="en"/>
+              <a:t>4</a:t>
+            </a:fld>
+            <a:endParaRPr/>
+          </a:p>
+        </p:txBody>
+      </p:sp>
+      <p:grpSp>
+        <p:nvGrpSpPr>
+          <p:cNvPr id="6" name="组合 5">
+            <a:extLst>
+              <a:ext uri="{FF2B5EF4-FFF2-40B4-BE49-F238E27FC236}">
+                <a16:creationId xmlns:a16="http://schemas.microsoft.com/office/drawing/2014/main" id="{8C286F9D-6D36-F126-CAAE-8058BCE484D2}"/>
+              </a:ext>
+            </a:extLst>
+          </p:cNvPr>
+          <p:cNvGrpSpPr>
+            <a:grpSpLocks noChangeAspect="1"/>
+          </p:cNvGrpSpPr>
+          <p:nvPr/>
+        </p:nvGrpSpPr>
+        <p:grpSpPr>
+          <a:xfrm>
+            <a:off x="2314043" y="1623869"/>
+            <a:ext cx="4515913" cy="3236148"/>
+            <a:chOff x="2524530" y="1634401"/>
+            <a:chExt cx="4094940" cy="2934474"/>
+          </a:xfrm>
+        </p:grpSpPr>
+        <p:pic>
+          <p:nvPicPr>
+            <p:cNvPr id="3" name="图片 2">
+              <a:extLst>
+                <a:ext uri="{FF2B5EF4-FFF2-40B4-BE49-F238E27FC236}">
+                  <a16:creationId xmlns:a16="http://schemas.microsoft.com/office/drawing/2014/main" id="{C07B6F57-22B3-4B85-2154-DBDB3C0213C3}"/>
+                </a:ext>
+              </a:extLst>
+            </p:cNvPr>
+            <p:cNvPicPr>
+              <a:picLocks noChangeAspect="1"/>
+            </p:cNvPicPr>
+            <p:nvPr/>
+          </p:nvPicPr>
+          <p:blipFill rotWithShape="1">
+            <a:blip r:embed="rId3"/>
+            <a:srcRect l="2252" b="60789"/>
+            <a:stretch/>
+          </p:blipFill>
+          <p:spPr>
+            <a:xfrm>
+              <a:off x="2524530" y="1634401"/>
+              <a:ext cx="4094940" cy="1324390"/>
+            </a:xfrm>
+            <a:prstGeom prst="rect">
+              <a:avLst/>
+            </a:prstGeom>
+          </p:spPr>
+        </p:pic>
+        <p:pic>
+          <p:nvPicPr>
+            <p:cNvPr id="5" name="图片 4">
+              <a:extLst>
+                <a:ext uri="{FF2B5EF4-FFF2-40B4-BE49-F238E27FC236}">
+                  <a16:creationId xmlns:a16="http://schemas.microsoft.com/office/drawing/2014/main" id="{A52296F6-37B1-239F-C7D4-46CB843E343A}"/>
+                </a:ext>
+              </a:extLst>
+            </p:cNvPr>
+            <p:cNvPicPr>
+              <a:picLocks noChangeAspect="1"/>
+            </p:cNvPicPr>
+            <p:nvPr/>
+          </p:nvPicPr>
+          <p:blipFill rotWithShape="1">
+            <a:blip r:embed="rId3"/>
+            <a:srcRect l="2252" t="48992" b="4500"/>
+            <a:stretch/>
+          </p:blipFill>
+          <p:spPr>
+            <a:xfrm>
+              <a:off x="2524530" y="2998017"/>
+              <a:ext cx="4094940" cy="1570858"/>
+            </a:xfrm>
+            <a:prstGeom prst="rect">
+              <a:avLst/>
+            </a:prstGeom>
+          </p:spPr>
+        </p:pic>
+      </p:grpSp>
+      <p:sp>
+        <p:nvSpPr>
+          <p:cNvPr id="7" name="文本框 6">
+            <a:extLst>
+              <a:ext uri="{FF2B5EF4-FFF2-40B4-BE49-F238E27FC236}">
+                <a16:creationId xmlns:a16="http://schemas.microsoft.com/office/drawing/2014/main" id="{389A727E-5E94-FB11-7D1D-ACB3646A27D1}"/>
+              </a:ext>
+            </a:extLst>
+          </p:cNvPr>
+          <p:cNvSpPr txBox="1"/>
+          <p:nvPr/>
+        </p:nvSpPr>
+        <p:spPr>
+          <a:xfrm>
+            <a:off x="4548458" y="728350"/>
+            <a:ext cx="3924000" cy="738664"/>
+          </a:xfrm>
+          <a:prstGeom prst="rect">
+            <a:avLst/>
+          </a:prstGeom>
+          <a:noFill/>
+        </p:spPr>
+        <p:txBody>
+          <a:bodyPr wrap="square" rtlCol="0">
+            <a:spAutoFit/>
+          </a:bodyPr>
+          <a:lstStyle/>
+          <a:p>
+            <a:r>
+              <a:rPr lang="en-US" altLang="zh-CN"/>
+              <a:t>Evaluate performance on the test data using the NoSplit class, then perform 5-fold cross-validation using RepeatedKFold with 2 repeats.</a:t>
+            </a:r>
+            <a:endParaRPr lang="zh-CN" altLang="en-US" dirty="0"/>
+          </a:p>
+        </p:txBody>
+      </p:sp>
+    </p:spTree>
+    <p:extLst>
+      <p:ext uri="{BB962C8B-B14F-4D97-AF65-F5344CB8AC3E}">
+        <p14:creationId xmlns:p14="http://schemas.microsoft.com/office/powerpoint/2010/main" val="3552141161"/>
+      </p:ext>
+    </p:extLst>
+  </p:cSld>
+  <p:clrMapOvr>
+    <a:masterClrMapping/>
+  </p:clrMapOvr>
+</p:sld>
+</file>
+
+<file path=ppt/slides/slide5.xml><?xml version="1.0" encoding="utf-8"?>
+<p:sld xmlns:a="http://schemas.openxmlformats.org/drawingml/2006/main" xmlns:r="http://schemas.openxmlformats.org/officeDocument/2006/relationships" xmlns:p="http://schemas.openxmlformats.org/presentationml/2006/main">
+  <p:cSld>
+    <p:spTree>
+      <p:nvGrpSpPr>
+        <p:cNvPr id="1" name="Shape 67"/>
+        <p:cNvGrpSpPr/>
+        <p:nvPr/>
+      </p:nvGrpSpPr>
+      <p:grpSpPr>
+        <a:xfrm>
+          <a:off x="0" y="0"/>
+          <a:ext cx="0" cy="0"/>
+          <a:chOff x="0" y="0"/>
+          <a:chExt cx="0" cy="0"/>
+        </a:xfrm>
+      </p:grpSpPr>
+      <p:sp>
+        <p:nvSpPr>
+          <p:cNvPr id="68" name="Google Shape;68;p3"/>
+          <p:cNvSpPr txBox="1">
+            <a:spLocks noGrp="1"/>
+          </p:cNvSpPr>
+          <p:nvPr>
+            <p:ph type="title"/>
+          </p:nvPr>
+        </p:nvSpPr>
+        <p:spPr>
+          <a:xfrm>
+            <a:off x="311700" y="445025"/>
+            <a:ext cx="8520600" cy="572700"/>
+          </a:xfrm>
+          <a:prstGeom prst="rect">
+            <a:avLst/>
+          </a:prstGeom>
+          <a:noFill/>
+          <a:ln>
+            <a:noFill/>
+          </a:ln>
+        </p:spPr>
+        <p:txBody>
+          <a:bodyPr spcFirstLastPara="1" wrap="square" lIns="91425" tIns="91425" rIns="91425" bIns="91425" anchor="t" anchorCtr="0">
+            <a:noAutofit/>
+          </a:bodyPr>
+          <a:lstStyle/>
+          <a:p>
+            <a:pPr marL="0" lvl="0" indent="0" algn="l" rtl="0">
+              <a:lnSpc>
+                <a:spcPct val="100000"/>
+              </a:lnSpc>
+              <a:spcBef>
+                <a:spcPts val="0"/>
+              </a:spcBef>
+              <a:spcAft>
+                <a:spcPts val="0"/>
+              </a:spcAft>
+              <a:buSzPts val="2800"/>
+              <a:buNone/>
+            </a:pPr>
+            <a:r>
+              <a:rPr lang="en"/>
+              <a:t>Progress</a:t>
+            </a:r>
+            <a:endParaRPr/>
+          </a:p>
+        </p:txBody>
+      </p:sp>
+      <p:sp>
+        <p:nvSpPr>
+          <p:cNvPr id="69" name="Google Shape;69;p3"/>
+          <p:cNvSpPr txBox="1">
+            <a:spLocks noGrp="1"/>
+          </p:cNvSpPr>
+          <p:nvPr>
+            <p:ph type="body" idx="1"/>
+          </p:nvPr>
+        </p:nvSpPr>
+        <p:spPr>
+          <a:xfrm>
+            <a:off x="311700" y="1152475"/>
+            <a:ext cx="8520600" cy="3416400"/>
+          </a:xfrm>
+          <a:prstGeom prst="rect">
+            <a:avLst/>
+          </a:prstGeom>
+          <a:noFill/>
+          <a:ln>
+            <a:noFill/>
+          </a:ln>
+        </p:spPr>
+        <p:txBody>
+          <a:bodyPr spcFirstLastPara="1" wrap="square" lIns="91425" tIns="91425" rIns="91425" bIns="91425" anchor="t" anchorCtr="0">
+            <a:noAutofit/>
+          </a:bodyPr>
+          <a:lstStyle/>
+          <a:p>
+            <a:pPr marL="457200" lvl="0" indent="-342900" algn="l" rtl="0">
+              <a:lnSpc>
+                <a:spcPct val="115000"/>
+              </a:lnSpc>
+              <a:spcBef>
+                <a:spcPts val="0"/>
+              </a:spcBef>
+              <a:spcAft>
+                <a:spcPts val="0"/>
+              </a:spcAft>
+              <a:buSzPts val="1800"/>
+              <a:buChar char="●"/>
+            </a:pPr>
+            <a:r>
+              <a:rPr lang="en-US" dirty="0"/>
+              <a:t>Section 5 Step 3</a:t>
+            </a:r>
+          </a:p>
+        </p:txBody>
+      </p:sp>
+      <p:sp>
+        <p:nvSpPr>
+          <p:cNvPr id="70" name="Google Shape;70;p3"/>
+          <p:cNvSpPr txBox="1">
+            <a:spLocks noGrp="1"/>
+          </p:cNvSpPr>
+          <p:nvPr>
+            <p:ph type="sldNum" idx="12"/>
+          </p:nvPr>
+        </p:nvSpPr>
+        <p:spPr>
+          <a:xfrm>
+            <a:off x="8472458" y="4663217"/>
+            <a:ext cx="548700" cy="393600"/>
+          </a:xfrm>
+          <a:prstGeom prst="rect">
+            <a:avLst/>
+          </a:prstGeom>
+          <a:noFill/>
+          <a:ln>
+            <a:noFill/>
+          </a:ln>
+        </p:spPr>
+        <p:txBody>
+          <a:bodyPr spcFirstLastPara="1" wrap="square" lIns="91425" tIns="91425" rIns="91425" bIns="91425" anchor="ctr" anchorCtr="0">
+            <a:noAutofit/>
+          </a:bodyPr>
+          <a:lstStyle/>
+          <a:p>
+            <a:pPr marL="0" lvl="0" indent="0" algn="r" rtl="0">
+              <a:lnSpc>
+                <a:spcPct val="100000"/>
+              </a:lnSpc>
+              <a:spcBef>
+                <a:spcPts val="0"/>
+              </a:spcBef>
+              <a:spcAft>
+                <a:spcPts val="0"/>
+              </a:spcAft>
+              <a:buSzPts val="1000"/>
+              <a:buNone/>
+            </a:pPr>
+            <a:fld id="{00000000-1234-1234-1234-123412341234}" type="slidenum">
+              <a:rPr lang="en"/>
+              <a:t>5</a:t>
+            </a:fld>
+            <a:endParaRPr/>
+          </a:p>
+        </p:txBody>
+      </p:sp>
+      <p:sp>
+        <p:nvSpPr>
+          <p:cNvPr id="8" name="文本框 7">
+            <a:extLst>
+              <a:ext uri="{FF2B5EF4-FFF2-40B4-BE49-F238E27FC236}">
+                <a16:creationId xmlns:a16="http://schemas.microsoft.com/office/drawing/2014/main" id="{72B607CB-ECA8-B5DC-4F96-949A5B808E95}"/>
+              </a:ext>
+            </a:extLst>
+          </p:cNvPr>
+          <p:cNvSpPr txBox="1"/>
+          <p:nvPr/>
+        </p:nvSpPr>
+        <p:spPr>
+          <a:xfrm>
+            <a:off x="4224458" y="445025"/>
+            <a:ext cx="4248000" cy="954107"/>
+          </a:xfrm>
+          <a:prstGeom prst="rect">
+            <a:avLst/>
+          </a:prstGeom>
+          <a:noFill/>
+        </p:spPr>
+        <p:txBody>
+          <a:bodyPr wrap="square" rtlCol="0">
+            <a:spAutoFit/>
+          </a:bodyPr>
+          <a:lstStyle/>
+          <a:p>
+            <a:r>
+              <a:rPr lang="en-US" altLang="zh-CN"/>
+              <a:t>Perform a grid search on the alpha hyperparameter using NoSplit, then conduct 5-fold cross-validation with the optimized model using RepeatedKFold (2 repeats, 5 splits).</a:t>
+            </a:r>
+            <a:endParaRPr lang="zh-CN" altLang="en-US"/>
+          </a:p>
+        </p:txBody>
+      </p:sp>
+      <p:grpSp>
+        <p:nvGrpSpPr>
+          <p:cNvPr id="11" name="组合 10">
+            <a:extLst>
+              <a:ext uri="{FF2B5EF4-FFF2-40B4-BE49-F238E27FC236}">
+                <a16:creationId xmlns:a16="http://schemas.microsoft.com/office/drawing/2014/main" id="{6B3A82BC-B590-841E-D1AB-0B51AA989B71}"/>
+              </a:ext>
+            </a:extLst>
+          </p:cNvPr>
+          <p:cNvGrpSpPr/>
+          <p:nvPr/>
+        </p:nvGrpSpPr>
+        <p:grpSpPr>
+          <a:xfrm>
+            <a:off x="2137194" y="1624837"/>
+            <a:ext cx="4869612" cy="3431980"/>
+            <a:chOff x="2142853" y="1566000"/>
+            <a:chExt cx="4869612" cy="3431980"/>
+          </a:xfrm>
+        </p:grpSpPr>
+        <p:pic>
+          <p:nvPicPr>
+            <p:cNvPr id="4" name="图片 3">
+              <a:extLst>
+                <a:ext uri="{FF2B5EF4-FFF2-40B4-BE49-F238E27FC236}">
+                  <a16:creationId xmlns:a16="http://schemas.microsoft.com/office/drawing/2014/main" id="{DF3B1CEE-5CFC-07DB-61A7-C5D486B697D0}"/>
+                </a:ext>
+              </a:extLst>
+            </p:cNvPr>
+            <p:cNvPicPr>
+              <a:picLocks noChangeAspect="1"/>
+            </p:cNvPicPr>
+            <p:nvPr/>
+          </p:nvPicPr>
+          <p:blipFill rotWithShape="1">
+            <a:blip r:embed="rId3"/>
+            <a:srcRect b="12301"/>
+            <a:stretch/>
+          </p:blipFill>
+          <p:spPr>
+            <a:xfrm>
+              <a:off x="2142853" y="1566000"/>
+              <a:ext cx="4858293" cy="1848393"/>
+            </a:xfrm>
+            <a:prstGeom prst="rect">
+              <a:avLst/>
+            </a:prstGeom>
+          </p:spPr>
+        </p:pic>
+        <p:pic>
+          <p:nvPicPr>
+            <p:cNvPr id="10" name="图片 9">
+              <a:extLst>
+                <a:ext uri="{FF2B5EF4-FFF2-40B4-BE49-F238E27FC236}">
+                  <a16:creationId xmlns:a16="http://schemas.microsoft.com/office/drawing/2014/main" id="{678964E3-1017-304D-C118-23977EC28A8A}"/>
+                </a:ext>
+              </a:extLst>
+            </p:cNvPr>
+            <p:cNvPicPr>
+              <a:picLocks noChangeAspect="1"/>
+            </p:cNvPicPr>
+            <p:nvPr/>
+          </p:nvPicPr>
+          <p:blipFill rotWithShape="1">
+            <a:blip r:embed="rId4"/>
+            <a:srcRect r="4016"/>
+            <a:stretch/>
+          </p:blipFill>
+          <p:spPr>
+            <a:xfrm>
+              <a:off x="2142853" y="3414393"/>
+              <a:ext cx="4869612" cy="1583587"/>
+            </a:xfrm>
+            <a:prstGeom prst="rect">
+              <a:avLst/>
+            </a:prstGeom>
+          </p:spPr>
+        </p:pic>
+      </p:grpSp>
+      <p:pic>
+        <p:nvPicPr>
+          <p:cNvPr id="13" name="图片 12">
+            <a:extLst>
+              <a:ext uri="{FF2B5EF4-FFF2-40B4-BE49-F238E27FC236}">
+                <a16:creationId xmlns:a16="http://schemas.microsoft.com/office/drawing/2014/main" id="{B4C3DD95-F74C-C5AE-C47B-2D520BBD8143}"/>
+              </a:ext>
+            </a:extLst>
+          </p:cNvPr>
+          <p:cNvPicPr>
+            <a:picLocks noChangeAspect="1"/>
+          </p:cNvPicPr>
+          <p:nvPr/>
+        </p:nvPicPr>
+        <p:blipFill>
+          <a:blip r:embed="rId5"/>
+          <a:stretch>
+            <a:fillRect/>
+          </a:stretch>
+        </p:blipFill>
+        <p:spPr>
+          <a:xfrm>
+            <a:off x="5388235" y="4222034"/>
+            <a:ext cx="1920445" cy="441183"/>
+          </a:xfrm>
+          <a:prstGeom prst="rect">
+            <a:avLst/>
+          </a:prstGeom>
+        </p:spPr>
+      </p:pic>
+    </p:spTree>
+    <p:extLst>
+      <p:ext uri="{BB962C8B-B14F-4D97-AF65-F5344CB8AC3E}">
+        <p14:creationId xmlns:p14="http://schemas.microsoft.com/office/powerpoint/2010/main" val="4132279557"/>
+      </p:ext>
+    </p:extLst>
+  </p:cSld>
+  <p:clrMapOvr>
+    <a:masterClrMapping/>
+  </p:clrMapOvr>
+</p:sld>
+</file>
+
+<file path=ppt/slides/slide6.xml><?xml version="1.0" encoding="utf-8"?>
+<p:sld xmlns:a="http://schemas.openxmlformats.org/drawingml/2006/main" xmlns:r="http://schemas.openxmlformats.org/officeDocument/2006/relationships" xmlns:p="http://schemas.openxmlformats.org/presentationml/2006/main">
+  <p:cSld>
+    <p:spTree>
+      <p:nvGrpSpPr>
+        <p:cNvPr id="1" name="Shape 67"/>
+        <p:cNvGrpSpPr/>
+        <p:nvPr/>
+      </p:nvGrpSpPr>
+      <p:grpSpPr>
+        <a:xfrm>
+          <a:off x="0" y="0"/>
+          <a:ext cx="0" cy="0"/>
+          <a:chOff x="0" y="0"/>
+          <a:chExt cx="0" cy="0"/>
+        </a:xfrm>
+      </p:grpSpPr>
+      <p:sp>
+        <p:nvSpPr>
+          <p:cNvPr id="68" name="Google Shape;68;p3"/>
+          <p:cNvSpPr txBox="1">
+            <a:spLocks noGrp="1"/>
+          </p:cNvSpPr>
+          <p:nvPr>
+            <p:ph type="title"/>
+          </p:nvPr>
+        </p:nvSpPr>
+        <p:spPr>
+          <a:xfrm>
+            <a:off x="311700" y="445025"/>
+            <a:ext cx="8520600" cy="572700"/>
+          </a:xfrm>
+          <a:prstGeom prst="rect">
+            <a:avLst/>
+          </a:prstGeom>
+          <a:noFill/>
+          <a:ln>
+            <a:noFill/>
+          </a:ln>
+        </p:spPr>
+        <p:txBody>
+          <a:bodyPr spcFirstLastPara="1" wrap="square" lIns="91425" tIns="91425" rIns="91425" bIns="91425" anchor="t" anchorCtr="0">
+            <a:noAutofit/>
+          </a:bodyPr>
+          <a:lstStyle/>
+          <a:p>
+            <a:pPr marL="0" lvl="0" indent="0" algn="l" rtl="0">
+              <a:lnSpc>
+                <a:spcPct val="100000"/>
+              </a:lnSpc>
+              <a:spcBef>
+                <a:spcPts val="0"/>
+              </a:spcBef>
+              <a:spcAft>
+                <a:spcPts val="0"/>
+              </a:spcAft>
+              <a:buSzPts val="2800"/>
+              <a:buNone/>
+            </a:pPr>
+            <a:r>
+              <a:rPr lang="en"/>
+              <a:t>Progress</a:t>
+            </a:r>
+            <a:endParaRPr/>
+          </a:p>
+        </p:txBody>
+      </p:sp>
+      <p:sp>
+        <p:nvSpPr>
+          <p:cNvPr id="69" name="Google Shape;69;p3"/>
+          <p:cNvSpPr txBox="1">
+            <a:spLocks noGrp="1"/>
+          </p:cNvSpPr>
+          <p:nvPr>
+            <p:ph type="body" idx="1"/>
+          </p:nvPr>
+        </p:nvSpPr>
+        <p:spPr>
+          <a:xfrm>
+            <a:off x="311700" y="1152475"/>
+            <a:ext cx="8520600" cy="3416400"/>
+          </a:xfrm>
+          <a:prstGeom prst="rect">
+            <a:avLst/>
+          </a:prstGeom>
+          <a:noFill/>
+          <a:ln>
+            <a:noFill/>
+          </a:ln>
+        </p:spPr>
+        <p:txBody>
+          <a:bodyPr spcFirstLastPara="1" wrap="square" lIns="91425" tIns="91425" rIns="91425" bIns="91425" anchor="t" anchorCtr="0">
+            <a:noAutofit/>
+          </a:bodyPr>
+          <a:lstStyle/>
+          <a:p>
+            <a:pPr marL="457200" lvl="0" indent="-342900" algn="l" rtl="0">
+              <a:lnSpc>
+                <a:spcPct val="115000"/>
+              </a:lnSpc>
+              <a:spcBef>
+                <a:spcPts val="0"/>
+              </a:spcBef>
+              <a:spcAft>
+                <a:spcPts val="0"/>
+              </a:spcAft>
+              <a:buSzPts val="1800"/>
+              <a:buChar char="●"/>
+            </a:pPr>
+            <a:r>
+              <a:rPr lang="en-US" dirty="0"/>
+              <a:t>Section 5 Step 3 Plot</a:t>
+            </a:r>
+          </a:p>
+        </p:txBody>
+      </p:sp>
+      <p:sp>
+        <p:nvSpPr>
+          <p:cNvPr id="70" name="Google Shape;70;p3"/>
+          <p:cNvSpPr txBox="1">
+            <a:spLocks noGrp="1"/>
+          </p:cNvSpPr>
+          <p:nvPr>
+            <p:ph type="sldNum" idx="12"/>
+          </p:nvPr>
+        </p:nvSpPr>
+        <p:spPr>
+          <a:xfrm>
+            <a:off x="8472458" y="4663217"/>
+            <a:ext cx="548700" cy="393600"/>
+          </a:xfrm>
+          <a:prstGeom prst="rect">
+            <a:avLst/>
+          </a:prstGeom>
+          <a:noFill/>
+          <a:ln>
+            <a:noFill/>
+          </a:ln>
+        </p:spPr>
+        <p:txBody>
+          <a:bodyPr spcFirstLastPara="1" wrap="square" lIns="91425" tIns="91425" rIns="91425" bIns="91425" anchor="ctr" anchorCtr="0">
+            <a:noAutofit/>
+          </a:bodyPr>
+          <a:lstStyle/>
+          <a:p>
+            <a:pPr marL="0" lvl="0" indent="0" algn="r" rtl="0">
+              <a:lnSpc>
+                <a:spcPct val="100000"/>
+              </a:lnSpc>
+              <a:spcBef>
+                <a:spcPts val="0"/>
+              </a:spcBef>
+              <a:spcAft>
+                <a:spcPts val="0"/>
+              </a:spcAft>
+              <a:buSzPts val="1000"/>
+              <a:buNone/>
+            </a:pPr>
+            <a:fld id="{00000000-1234-1234-1234-123412341234}" type="slidenum">
+              <a:rPr lang="en"/>
+              <a:t>6</a:t>
+            </a:fld>
+            <a:endParaRPr/>
+          </a:p>
+        </p:txBody>
+      </p:sp>
+      <p:sp>
+        <p:nvSpPr>
+          <p:cNvPr id="8" name="文本框 7">
+            <a:extLst>
+              <a:ext uri="{FF2B5EF4-FFF2-40B4-BE49-F238E27FC236}">
+                <a16:creationId xmlns:a16="http://schemas.microsoft.com/office/drawing/2014/main" id="{72B607CB-ECA8-B5DC-4F96-949A5B808E95}"/>
+              </a:ext>
+            </a:extLst>
+          </p:cNvPr>
+          <p:cNvSpPr txBox="1"/>
+          <p:nvPr/>
+        </p:nvSpPr>
+        <p:spPr>
+          <a:xfrm>
+            <a:off x="4224458" y="859259"/>
+            <a:ext cx="4248000" cy="738664"/>
+          </a:xfrm>
+          <a:prstGeom prst="rect">
+            <a:avLst/>
+          </a:prstGeom>
+          <a:noFill/>
+        </p:spPr>
+        <p:txBody>
+          <a:bodyPr wrap="square" rtlCol="0">
+            <a:spAutoFit/>
+          </a:bodyPr>
+          <a:lstStyle/>
+          <a:p>
+            <a:r>
+              <a:rPr lang="en-US" altLang="zh-CN" dirty="0"/>
+              <a:t>Python code that reads </a:t>
+            </a:r>
+            <a:r>
+              <a:rPr lang="en-US" altLang="zh-CN" dirty="0" err="1"/>
+              <a:t>GridSearch</a:t>
+            </a:r>
+            <a:r>
+              <a:rPr lang="en-US" altLang="zh-CN" dirty="0"/>
+              <a:t> results from an Excel file and plots a learning curve of alpha values against </a:t>
+            </a:r>
+            <a:r>
+              <a:rPr lang="en-US" altLang="zh-CN" dirty="0" err="1"/>
+              <a:t>mean_test_score</a:t>
+            </a:r>
+            <a:r>
+              <a:rPr lang="en-US" altLang="zh-CN" dirty="0"/>
+              <a:t> (RMSE).</a:t>
+            </a:r>
+            <a:endParaRPr lang="zh-CN" altLang="en-US" dirty="0"/>
+          </a:p>
+        </p:txBody>
+      </p:sp>
+      <p:pic>
+        <p:nvPicPr>
+          <p:cNvPr id="3" name="图片 2">
+            <a:extLst>
+              <a:ext uri="{FF2B5EF4-FFF2-40B4-BE49-F238E27FC236}">
+                <a16:creationId xmlns:a16="http://schemas.microsoft.com/office/drawing/2014/main" id="{94B84579-4598-3933-B2B9-9EF3C8CABA95}"/>
+              </a:ext>
+            </a:extLst>
+          </p:cNvPr>
+          <p:cNvPicPr>
+            <a:picLocks noChangeAspect="1"/>
+          </p:cNvPicPr>
+          <p:nvPr/>
+        </p:nvPicPr>
+        <p:blipFill rotWithShape="1">
+          <a:blip r:embed="rId3"/>
+          <a:srcRect b="1307"/>
+          <a:stretch/>
+        </p:blipFill>
+        <p:spPr>
+          <a:xfrm>
+            <a:off x="1098000" y="1692265"/>
+            <a:ext cx="6948000" cy="2336820"/>
+          </a:xfrm>
+          <a:prstGeom prst="rect">
+            <a:avLst/>
+          </a:prstGeom>
+        </p:spPr>
+      </p:pic>
+    </p:spTree>
+    <p:extLst>
+      <p:ext uri="{BB962C8B-B14F-4D97-AF65-F5344CB8AC3E}">
+        <p14:creationId xmlns:p14="http://schemas.microsoft.com/office/powerpoint/2010/main" val="2492894804"/>
+      </p:ext>
+    </p:extLst>
+  </p:cSld>
+  <p:clrMapOvr>
+    <a:masterClrMapping/>
+  </p:clrMapOvr>
+</p:sld>
+</file>
+
+<file path=ppt/slides/slide7.xml><?xml version="1.0" encoding="utf-8"?>
+<p:sld xmlns:a="http://schemas.openxmlformats.org/drawingml/2006/main" xmlns:r="http://schemas.openxmlformats.org/officeDocument/2006/relationships" xmlns:p="http://schemas.openxmlformats.org/presentationml/2006/main">
+  <p:cSld>
+    <p:spTree>
+      <p:nvGrpSpPr>
+        <p:cNvPr id="1" name="Shape 67"/>
+        <p:cNvGrpSpPr/>
+        <p:nvPr/>
+      </p:nvGrpSpPr>
+      <p:grpSpPr>
+        <a:xfrm>
+          <a:off x="0" y="0"/>
+          <a:ext cx="0" cy="0"/>
+          <a:chOff x="0" y="0"/>
+          <a:chExt cx="0" cy="0"/>
+        </a:xfrm>
+      </p:grpSpPr>
+      <p:sp>
+        <p:nvSpPr>
+          <p:cNvPr id="68" name="Google Shape;68;p3"/>
+          <p:cNvSpPr txBox="1">
+            <a:spLocks noGrp="1"/>
+          </p:cNvSpPr>
+          <p:nvPr>
+            <p:ph type="title"/>
+          </p:nvPr>
+        </p:nvSpPr>
+        <p:spPr>
+          <a:xfrm>
+            <a:off x="311700" y="445025"/>
+            <a:ext cx="8520600" cy="572700"/>
+          </a:xfrm>
+          <a:prstGeom prst="rect">
+            <a:avLst/>
+          </a:prstGeom>
+          <a:noFill/>
+          <a:ln>
+            <a:noFill/>
+          </a:ln>
+        </p:spPr>
+        <p:txBody>
+          <a:bodyPr spcFirstLastPara="1" wrap="square" lIns="91425" tIns="91425" rIns="91425" bIns="91425" anchor="t" anchorCtr="0">
+            <a:noAutofit/>
+          </a:bodyPr>
+          <a:lstStyle/>
+          <a:p>
+            <a:pPr marL="0" lvl="0" indent="0" algn="l" rtl="0">
+              <a:lnSpc>
+                <a:spcPct val="100000"/>
+              </a:lnSpc>
+              <a:spcBef>
+                <a:spcPts val="0"/>
+              </a:spcBef>
+              <a:spcAft>
+                <a:spcPts val="0"/>
+              </a:spcAft>
+              <a:buSzPts val="2800"/>
+              <a:buNone/>
+            </a:pPr>
+            <a:r>
+              <a:rPr lang="en" dirty="0"/>
+              <a:t>Progress</a:t>
+            </a:r>
+            <a:endParaRPr dirty="0"/>
+          </a:p>
+        </p:txBody>
+      </p:sp>
+      <p:sp>
+        <p:nvSpPr>
+          <p:cNvPr id="69" name="Google Shape;69;p3"/>
+          <p:cNvSpPr txBox="1">
+            <a:spLocks noGrp="1"/>
+          </p:cNvSpPr>
+          <p:nvPr>
+            <p:ph type="body" idx="1"/>
+          </p:nvPr>
+        </p:nvSpPr>
+        <p:spPr>
+          <a:xfrm>
+            <a:off x="311700" y="1152475"/>
+            <a:ext cx="8520600" cy="3416400"/>
+          </a:xfrm>
+          <a:prstGeom prst="rect">
+            <a:avLst/>
+          </a:prstGeom>
+          <a:noFill/>
+          <a:ln>
+            <a:noFill/>
+          </a:ln>
+        </p:spPr>
+        <p:txBody>
+          <a:bodyPr spcFirstLastPara="1" wrap="square" lIns="91425" tIns="91425" rIns="91425" bIns="91425" anchor="t" anchorCtr="0">
+            <a:noAutofit/>
+          </a:bodyPr>
+          <a:lstStyle/>
+          <a:p>
+            <a:pPr marL="457200" lvl="0" indent="-342900" algn="l" rtl="0">
+              <a:lnSpc>
+                <a:spcPct val="115000"/>
+              </a:lnSpc>
+              <a:spcBef>
+                <a:spcPts val="0"/>
+              </a:spcBef>
+              <a:spcAft>
+                <a:spcPts val="0"/>
+              </a:spcAft>
+              <a:buSzPts val="1800"/>
+              <a:buChar char="●"/>
+            </a:pPr>
+            <a:r>
+              <a:rPr lang="en-US" dirty="0"/>
+              <a:t>Test data parity plot of your default chosen model from Section 5 (</a:t>
+            </a:r>
+            <a:r>
+              <a:rPr lang="en-US" dirty="0" err="1"/>
+              <a:t>NoSplit</a:t>
+            </a:r>
+            <a:r>
+              <a:rPr lang="en-US" dirty="0"/>
+              <a:t>)</a:t>
+            </a:r>
+          </a:p>
+        </p:txBody>
+      </p:sp>
+      <p:sp>
+        <p:nvSpPr>
+          <p:cNvPr id="70" name="Google Shape;70;p3"/>
+          <p:cNvSpPr txBox="1">
+            <a:spLocks noGrp="1"/>
+          </p:cNvSpPr>
+          <p:nvPr>
+            <p:ph type="sldNum" idx="12"/>
+          </p:nvPr>
+        </p:nvSpPr>
+        <p:spPr>
+          <a:xfrm>
+            <a:off x="8472458" y="4663217"/>
+            <a:ext cx="548700" cy="393600"/>
+          </a:xfrm>
+          <a:prstGeom prst="rect">
+            <a:avLst/>
+          </a:prstGeom>
+          <a:noFill/>
+          <a:ln>
+            <a:noFill/>
+          </a:ln>
+        </p:spPr>
+        <p:txBody>
+          <a:bodyPr spcFirstLastPara="1" wrap="square" lIns="91425" tIns="91425" rIns="91425" bIns="91425" anchor="ctr" anchorCtr="0">
+            <a:noAutofit/>
+          </a:bodyPr>
+          <a:lstStyle/>
+          <a:p>
+            <a:pPr marL="0" lvl="0" indent="0" algn="r" rtl="0">
+              <a:lnSpc>
+                <a:spcPct val="100000"/>
+              </a:lnSpc>
+              <a:spcBef>
+                <a:spcPts val="0"/>
+              </a:spcBef>
+              <a:spcAft>
+                <a:spcPts val="0"/>
+              </a:spcAft>
+              <a:buSzPts val="1000"/>
+              <a:buNone/>
+            </a:pPr>
+            <a:fld id="{00000000-1234-1234-1234-123412341234}" type="slidenum">
+              <a:rPr lang="en"/>
+              <a:t>7</a:t>
+            </a:fld>
+            <a:endParaRPr/>
+          </a:p>
+        </p:txBody>
+      </p:sp>
+      <p:sp>
+        <p:nvSpPr>
+          <p:cNvPr id="2" name="文本框 1">
+            <a:extLst>
+              <a:ext uri="{FF2B5EF4-FFF2-40B4-BE49-F238E27FC236}">
+                <a16:creationId xmlns:a16="http://schemas.microsoft.com/office/drawing/2014/main" id="{B4938E97-B03F-3BFB-E305-F4EDC20C9872}"/>
+              </a:ext>
+            </a:extLst>
+          </p:cNvPr>
+          <p:cNvSpPr txBox="1"/>
+          <p:nvPr/>
+        </p:nvSpPr>
+        <p:spPr>
+          <a:xfrm>
+            <a:off x="5212800" y="3344694"/>
+            <a:ext cx="3437842" cy="646331"/>
+          </a:xfrm>
+          <a:prstGeom prst="rect">
+            <a:avLst/>
+          </a:prstGeom>
+          <a:noFill/>
+        </p:spPr>
+        <p:txBody>
+          <a:bodyPr wrap="square" rtlCol="0">
+            <a:spAutoFit/>
+          </a:bodyPr>
+          <a:lstStyle/>
+          <a:p>
+            <a:pPr algn="just"/>
+            <a:r>
+              <a:rPr lang="en-US" altLang="zh-CN" sz="1200" dirty="0"/>
+              <a:t>This scatter plot shows predicted values versus true values, with an R² of 0.669, MAE of 0.952, RMSE of 1.320, and RMSE/σᵧ of 0.575.</a:t>
+            </a:r>
+            <a:endParaRPr lang="zh-CN" altLang="en-US" sz="1200" dirty="0"/>
+          </a:p>
+        </p:txBody>
+      </p:sp>
+      <p:pic>
+        <p:nvPicPr>
+          <p:cNvPr id="6" name="图片 5">
+            <a:extLst>
+              <a:ext uri="{FF2B5EF4-FFF2-40B4-BE49-F238E27FC236}">
+                <a16:creationId xmlns:a16="http://schemas.microsoft.com/office/drawing/2014/main" id="{00774AA9-BE58-52B8-8EB9-3D3F8CE0C646}"/>
+              </a:ext>
+            </a:extLst>
+          </p:cNvPr>
+          <p:cNvPicPr>
+            <a:picLocks noChangeAspect="1"/>
+          </p:cNvPicPr>
+          <p:nvPr/>
+        </p:nvPicPr>
+        <p:blipFill>
+          <a:blip r:embed="rId3"/>
+          <a:stretch>
+            <a:fillRect/>
+          </a:stretch>
+        </p:blipFill>
+        <p:spPr>
+          <a:xfrm>
+            <a:off x="604316" y="1830416"/>
+            <a:ext cx="4608484" cy="2868059"/>
+          </a:xfrm>
+          <a:prstGeom prst="rect">
+            <a:avLst/>
+          </a:prstGeom>
+        </p:spPr>
+      </p:pic>
+    </p:spTree>
+  </p:cSld>
+  <p:clrMapOvr>
+    <a:masterClrMapping/>
+  </p:clrMapOvr>
+</p:sld>
+</file>
+
+<file path=ppt/slides/slide8.xml><?xml version="1.0" encoding="utf-8"?>
+<p:sld xmlns:a="http://schemas.openxmlformats.org/drawingml/2006/main" xmlns:r="http://schemas.openxmlformats.org/officeDocument/2006/relationships" xmlns:p="http://schemas.openxmlformats.org/presentationml/2006/main">
+  <p:cSld>
+    <p:spTree>
+      <p:nvGrpSpPr>
+        <p:cNvPr id="1" name="Shape 67"/>
+        <p:cNvGrpSpPr/>
+        <p:nvPr/>
+      </p:nvGrpSpPr>
+      <p:grpSpPr>
+        <a:xfrm>
+          <a:off x="0" y="0"/>
+          <a:ext cx="0" cy="0"/>
+          <a:chOff x="0" y="0"/>
+          <a:chExt cx="0" cy="0"/>
+        </a:xfrm>
+      </p:grpSpPr>
+      <p:sp>
+        <p:nvSpPr>
+          <p:cNvPr id="68" name="Google Shape;68;p3"/>
+          <p:cNvSpPr txBox="1">
+            <a:spLocks noGrp="1"/>
+          </p:cNvSpPr>
+          <p:nvPr>
+            <p:ph type="title"/>
+          </p:nvPr>
+        </p:nvSpPr>
+        <p:spPr>
+          <a:xfrm>
+            <a:off x="311700" y="445025"/>
+            <a:ext cx="8520600" cy="572700"/>
+          </a:xfrm>
+          <a:prstGeom prst="rect">
+            <a:avLst/>
+          </a:prstGeom>
+          <a:noFill/>
+          <a:ln>
+            <a:noFill/>
+          </a:ln>
+        </p:spPr>
+        <p:txBody>
+          <a:bodyPr spcFirstLastPara="1" wrap="square" lIns="91425" tIns="91425" rIns="91425" bIns="91425" anchor="t" anchorCtr="0">
+            <a:noAutofit/>
+          </a:bodyPr>
+          <a:lstStyle/>
+          <a:p>
+            <a:pPr marL="0" lvl="0" indent="0" algn="l" rtl="0">
+              <a:lnSpc>
+                <a:spcPct val="100000"/>
+              </a:lnSpc>
+              <a:spcBef>
+                <a:spcPts val="0"/>
+              </a:spcBef>
+              <a:spcAft>
+                <a:spcPts val="0"/>
+              </a:spcAft>
+              <a:buSzPts val="2800"/>
+              <a:buNone/>
+            </a:pPr>
+            <a:r>
+              <a:rPr lang="en" dirty="0"/>
+              <a:t>Progress</a:t>
+            </a:r>
+            <a:endParaRPr dirty="0"/>
+          </a:p>
+        </p:txBody>
+      </p:sp>
+      <p:sp>
+        <p:nvSpPr>
+          <p:cNvPr id="69" name="Google Shape;69;p3"/>
+          <p:cNvSpPr txBox="1">
+            <a:spLocks noGrp="1"/>
+          </p:cNvSpPr>
+          <p:nvPr>
+            <p:ph type="body" idx="1"/>
+          </p:nvPr>
+        </p:nvSpPr>
+        <p:spPr>
+          <a:xfrm>
+            <a:off x="311700" y="1152475"/>
+            <a:ext cx="8520600" cy="3416400"/>
+          </a:xfrm>
+          <a:prstGeom prst="rect">
+            <a:avLst/>
+          </a:prstGeom>
+          <a:noFill/>
+          <a:ln>
+            <a:noFill/>
+          </a:ln>
+        </p:spPr>
+        <p:txBody>
+          <a:bodyPr spcFirstLastPara="1" wrap="square" lIns="91425" tIns="91425" rIns="91425" bIns="91425" anchor="t" anchorCtr="0">
+            <a:noAutofit/>
+          </a:bodyPr>
+          <a:lstStyle/>
+          <a:p>
+            <a:pPr marL="457200" lvl="0" indent="-342900" algn="l" rtl="0">
+              <a:lnSpc>
+                <a:spcPct val="115000"/>
+              </a:lnSpc>
+              <a:spcBef>
+                <a:spcPts val="0"/>
+              </a:spcBef>
+              <a:spcAft>
+                <a:spcPts val="0"/>
+              </a:spcAft>
+              <a:buSzPts val="1800"/>
+              <a:buChar char="●"/>
+            </a:pPr>
+            <a:r>
+              <a:rPr lang="en-US" dirty="0"/>
+              <a:t>Test data parity plot of your default chosen model from Section 5 (5-fold cross-validation)</a:t>
+            </a:r>
+          </a:p>
+        </p:txBody>
+      </p:sp>
+      <p:sp>
+        <p:nvSpPr>
+          <p:cNvPr id="70" name="Google Shape;70;p3"/>
+          <p:cNvSpPr txBox="1">
+            <a:spLocks noGrp="1"/>
+          </p:cNvSpPr>
+          <p:nvPr>
+            <p:ph type="sldNum" idx="12"/>
+          </p:nvPr>
+        </p:nvSpPr>
+        <p:spPr>
+          <a:xfrm>
+            <a:off x="8472458" y="4663217"/>
+            <a:ext cx="548700" cy="393600"/>
+          </a:xfrm>
+          <a:prstGeom prst="rect">
+            <a:avLst/>
+          </a:prstGeom>
+          <a:noFill/>
+          <a:ln>
+            <a:noFill/>
+          </a:ln>
+        </p:spPr>
+        <p:txBody>
+          <a:bodyPr spcFirstLastPara="1" wrap="square" lIns="91425" tIns="91425" rIns="91425" bIns="91425" anchor="ctr" anchorCtr="0">
+            <a:noAutofit/>
+          </a:bodyPr>
+          <a:lstStyle/>
+          <a:p>
+            <a:pPr marL="0" lvl="0" indent="0" algn="r" rtl="0">
+              <a:lnSpc>
+                <a:spcPct val="100000"/>
+              </a:lnSpc>
+              <a:spcBef>
+                <a:spcPts val="0"/>
+              </a:spcBef>
+              <a:spcAft>
+                <a:spcPts val="0"/>
+              </a:spcAft>
+              <a:buSzPts val="1000"/>
+              <a:buNone/>
+            </a:pPr>
+            <a:fld id="{00000000-1234-1234-1234-123412341234}" type="slidenum">
+              <a:rPr lang="en"/>
               <a:t>8</a:t>
             </a:fld>
             <a:endParaRPr/>
           </a:p>
         </p:txBody>
       </p:sp>
+      <p:sp>
+        <p:nvSpPr>
+          <p:cNvPr id="2" name="文本框 1">
+            <a:extLst>
+              <a:ext uri="{FF2B5EF4-FFF2-40B4-BE49-F238E27FC236}">
+                <a16:creationId xmlns:a16="http://schemas.microsoft.com/office/drawing/2014/main" id="{B4938E97-B03F-3BFB-E305-F4EDC20C9872}"/>
+              </a:ext>
+            </a:extLst>
+          </p:cNvPr>
+          <p:cNvSpPr txBox="1"/>
+          <p:nvPr/>
+        </p:nvSpPr>
+        <p:spPr>
+          <a:xfrm>
+            <a:off x="5212800" y="3344694"/>
+            <a:ext cx="3437842" cy="646331"/>
+          </a:xfrm>
+          <a:prstGeom prst="rect">
+            <a:avLst/>
+          </a:prstGeom>
+          <a:noFill/>
+        </p:spPr>
+        <p:txBody>
+          <a:bodyPr wrap="square" rtlCol="0">
+            <a:spAutoFit/>
+          </a:bodyPr>
+          <a:lstStyle/>
+          <a:p>
+            <a:pPr algn="just"/>
+            <a:r>
+              <a:rPr lang="en-US" altLang="zh-CN" sz="1200" dirty="0"/>
+              <a:t>This scatter plot shows predicted values versus true values, with an R² of 0.597, MAE of 1.061, RMSE of 1.458, and RMSE/σᵧ of 0.635.</a:t>
+            </a:r>
+            <a:endParaRPr lang="zh-CN" altLang="en-US" sz="1200" dirty="0"/>
+          </a:p>
+        </p:txBody>
+      </p:sp>
+      <p:pic>
+        <p:nvPicPr>
+          <p:cNvPr id="4" name="图片 3">
+            <a:extLst>
+              <a:ext uri="{FF2B5EF4-FFF2-40B4-BE49-F238E27FC236}">
+                <a16:creationId xmlns:a16="http://schemas.microsoft.com/office/drawing/2014/main" id="{661ABB55-03C1-E866-00AF-ECEFA037A7FE}"/>
+              </a:ext>
+            </a:extLst>
+          </p:cNvPr>
+          <p:cNvPicPr>
+            <a:picLocks noChangeAspect="1"/>
+          </p:cNvPicPr>
+          <p:nvPr/>
+        </p:nvPicPr>
+        <p:blipFill>
+          <a:blip r:embed="rId3"/>
+          <a:stretch>
+            <a:fillRect/>
+          </a:stretch>
+        </p:blipFill>
+        <p:spPr>
+          <a:xfrm>
+            <a:off x="672561" y="1934207"/>
+            <a:ext cx="4540239" cy="2820974"/>
+          </a:xfrm>
+          <a:prstGeom prst="rect">
+            <a:avLst/>
+          </a:prstGeom>
+        </p:spPr>
+      </p:pic>
     </p:spTree>
+    <p:extLst>
+      <p:ext uri="{BB962C8B-B14F-4D97-AF65-F5344CB8AC3E}">
+        <p14:creationId xmlns:p14="http://schemas.microsoft.com/office/powerpoint/2010/main" val="3164351851"/>
+      </p:ext>
+    </p:extLst>
+  </p:cSld>
+  <p:clrMapOvr>
+    <a:masterClrMapping/>
+  </p:clrMapOvr>
+</p:sld>
+</file>
+
+<file path=ppt/slides/slide9.xml><?xml version="1.0" encoding="utf-8"?>
+<p:sld xmlns:a="http://schemas.openxmlformats.org/drawingml/2006/main" xmlns:r="http://schemas.openxmlformats.org/officeDocument/2006/relationships" xmlns:p="http://schemas.openxmlformats.org/presentationml/2006/main">
+  <p:cSld>
+    <p:spTree>
+      <p:nvGrpSpPr>
+        <p:cNvPr id="1" name="Shape 67"/>
+        <p:cNvGrpSpPr/>
+        <p:nvPr/>
+      </p:nvGrpSpPr>
+      <p:grpSpPr>
+        <a:xfrm>
+          <a:off x="0" y="0"/>
+          <a:ext cx="0" cy="0"/>
+          <a:chOff x="0" y="0"/>
+          <a:chExt cx="0" cy="0"/>
+        </a:xfrm>
+      </p:grpSpPr>
+      <p:sp>
+        <p:nvSpPr>
+          <p:cNvPr id="68" name="Google Shape;68;p3"/>
+          <p:cNvSpPr txBox="1">
+            <a:spLocks noGrp="1"/>
+          </p:cNvSpPr>
+          <p:nvPr>
+            <p:ph type="title"/>
+          </p:nvPr>
+        </p:nvSpPr>
+        <p:spPr>
+          <a:xfrm>
+            <a:off x="311700" y="445025"/>
+            <a:ext cx="8520600" cy="572700"/>
+          </a:xfrm>
+          <a:prstGeom prst="rect">
+            <a:avLst/>
+          </a:prstGeom>
+          <a:noFill/>
+          <a:ln>
+            <a:noFill/>
+          </a:ln>
+        </p:spPr>
+        <p:txBody>
+          <a:bodyPr spcFirstLastPara="1" wrap="square" lIns="91425" tIns="91425" rIns="91425" bIns="91425" anchor="t" anchorCtr="0">
+            <a:noAutofit/>
+          </a:bodyPr>
+          <a:lstStyle/>
+          <a:p>
+            <a:pPr marL="0" lvl="0" indent="0" algn="l" rtl="0">
+              <a:lnSpc>
+                <a:spcPct val="100000"/>
+              </a:lnSpc>
+              <a:spcBef>
+                <a:spcPts val="0"/>
+              </a:spcBef>
+              <a:spcAft>
+                <a:spcPts val="0"/>
+              </a:spcAft>
+              <a:buSzPts val="2800"/>
+              <a:buNone/>
+            </a:pPr>
+            <a:r>
+              <a:rPr lang="en"/>
+              <a:t>Progress</a:t>
+            </a:r>
+            <a:endParaRPr/>
+          </a:p>
+        </p:txBody>
+      </p:sp>
+      <p:sp>
+        <p:nvSpPr>
+          <p:cNvPr id="69" name="Google Shape;69;p3"/>
+          <p:cNvSpPr txBox="1">
+            <a:spLocks noGrp="1"/>
+          </p:cNvSpPr>
+          <p:nvPr>
+            <p:ph type="body" idx="1"/>
+          </p:nvPr>
+        </p:nvSpPr>
+        <p:spPr>
+          <a:xfrm>
+            <a:off x="311700" y="1152475"/>
+            <a:ext cx="8520600" cy="3416400"/>
+          </a:xfrm>
+          <a:prstGeom prst="rect">
+            <a:avLst/>
+          </a:prstGeom>
+          <a:noFill/>
+          <a:ln>
+            <a:noFill/>
+          </a:ln>
+        </p:spPr>
+        <p:txBody>
+          <a:bodyPr spcFirstLastPara="1" wrap="square" lIns="91425" tIns="91425" rIns="91425" bIns="91425" anchor="t" anchorCtr="0">
+            <a:noAutofit/>
+          </a:bodyPr>
+          <a:lstStyle/>
+          <a:p>
+            <a:pPr marL="457200" lvl="0" indent="-342900" algn="l" rtl="0">
+              <a:lnSpc>
+                <a:spcPct val="115000"/>
+              </a:lnSpc>
+              <a:spcBef>
+                <a:spcPts val="0"/>
+              </a:spcBef>
+              <a:spcAft>
+                <a:spcPts val="0"/>
+              </a:spcAft>
+              <a:buSzPts val="1800"/>
+              <a:buChar char="●"/>
+            </a:pPr>
+            <a:r>
+              <a:rPr lang="en-US" dirty="0"/>
+              <a:t>Learning curve for your hyperparameter optimization from Section 5 </a:t>
+            </a:r>
+            <a:r>
+              <a:rPr lang="en-US" altLang="zh-CN" dirty="0"/>
+              <a:t>(</a:t>
+            </a:r>
+            <a:r>
+              <a:rPr lang="en-US" altLang="zh-CN" dirty="0" err="1"/>
+              <a:t>NoSplit</a:t>
+            </a:r>
+            <a:r>
+              <a:rPr lang="en-US" altLang="zh-CN" dirty="0"/>
+              <a:t>)</a:t>
+            </a:r>
+            <a:endParaRPr lang="en-US" dirty="0"/>
+          </a:p>
+          <a:p>
+            <a:pPr marL="457200" lvl="0" indent="-342900" algn="l" rtl="0">
+              <a:lnSpc>
+                <a:spcPct val="115000"/>
+              </a:lnSpc>
+              <a:spcBef>
+                <a:spcPts val="0"/>
+              </a:spcBef>
+              <a:spcAft>
+                <a:spcPts val="0"/>
+              </a:spcAft>
+              <a:buSzPts val="1800"/>
+              <a:buChar char="●"/>
+            </a:pPr>
+            <a:r>
+              <a:rPr lang="en-US" dirty="0"/>
+              <a:t>/split_outer_0/Split_0/*_Output.xlsx</a:t>
+            </a:r>
+          </a:p>
+        </p:txBody>
+      </p:sp>
+      <p:sp>
+        <p:nvSpPr>
+          <p:cNvPr id="70" name="Google Shape;70;p3"/>
+          <p:cNvSpPr txBox="1">
+            <a:spLocks noGrp="1"/>
+          </p:cNvSpPr>
+          <p:nvPr>
+            <p:ph type="sldNum" idx="12"/>
+          </p:nvPr>
+        </p:nvSpPr>
+        <p:spPr>
+          <a:xfrm>
+            <a:off x="8472458" y="4663217"/>
+            <a:ext cx="548700" cy="393600"/>
+          </a:xfrm>
+          <a:prstGeom prst="rect">
+            <a:avLst/>
+          </a:prstGeom>
+          <a:noFill/>
+          <a:ln>
+            <a:noFill/>
+          </a:ln>
+        </p:spPr>
+        <p:txBody>
+          <a:bodyPr spcFirstLastPara="1" wrap="square" lIns="91425" tIns="91425" rIns="91425" bIns="91425" anchor="ctr" anchorCtr="0">
+            <a:noAutofit/>
+          </a:bodyPr>
+          <a:lstStyle/>
+          <a:p>
+            <a:pPr marL="0" lvl="0" indent="0" algn="r" rtl="0">
+              <a:lnSpc>
+                <a:spcPct val="100000"/>
+              </a:lnSpc>
+              <a:spcBef>
+                <a:spcPts val="0"/>
+              </a:spcBef>
+              <a:spcAft>
+                <a:spcPts val="0"/>
+              </a:spcAft>
+              <a:buSzPts val="1000"/>
+              <a:buNone/>
+            </a:pPr>
+            <a:fld id="{00000000-1234-1234-1234-123412341234}" type="slidenum">
+              <a:rPr lang="en"/>
+              <a:t>9</a:t>
+            </a:fld>
+            <a:endParaRPr/>
+          </a:p>
+        </p:txBody>
+      </p:sp>
+      <p:sp>
+        <p:nvSpPr>
+          <p:cNvPr id="2" name="文本框 1">
+            <a:extLst>
+              <a:ext uri="{FF2B5EF4-FFF2-40B4-BE49-F238E27FC236}">
+                <a16:creationId xmlns:a16="http://schemas.microsoft.com/office/drawing/2014/main" id="{7B191ECD-DDA9-786F-2596-B68F047EFD5F}"/>
+              </a:ext>
+            </a:extLst>
+          </p:cNvPr>
+          <p:cNvSpPr txBox="1"/>
+          <p:nvPr/>
+        </p:nvSpPr>
+        <p:spPr>
+          <a:xfrm>
+            <a:off x="2196538" y="4016886"/>
+            <a:ext cx="4750924" cy="646331"/>
+          </a:xfrm>
+          <a:prstGeom prst="rect">
+            <a:avLst/>
+          </a:prstGeom>
+          <a:noFill/>
+        </p:spPr>
+        <p:txBody>
+          <a:bodyPr wrap="square" rtlCol="0">
+            <a:spAutoFit/>
+          </a:bodyPr>
+          <a:lstStyle/>
+          <a:p>
+            <a:pPr algn="just"/>
+            <a:r>
+              <a:rPr lang="en-US" altLang="zh-CN" sz="1200" dirty="0"/>
+              <a:t>As alpha increases from 0.25 to 2.0, the RMSE value decreases, indicating improved model performance. The curve highlights how different alpha values affect the model's prediction accuracy.</a:t>
+            </a:r>
+          </a:p>
+        </p:txBody>
+      </p:sp>
+      <p:pic>
+        <p:nvPicPr>
+          <p:cNvPr id="4" name="图片 3">
+            <a:extLst>
+              <a:ext uri="{FF2B5EF4-FFF2-40B4-BE49-F238E27FC236}">
+                <a16:creationId xmlns:a16="http://schemas.microsoft.com/office/drawing/2014/main" id="{CDDB9EEA-C068-66F4-33E7-7845CA82E52E}"/>
+              </a:ext>
+            </a:extLst>
+          </p:cNvPr>
+          <p:cNvPicPr>
+            <a:picLocks noChangeAspect="1"/>
+          </p:cNvPicPr>
+          <p:nvPr/>
+        </p:nvPicPr>
+        <p:blipFill>
+          <a:blip r:embed="rId3"/>
+          <a:stretch>
+            <a:fillRect/>
+          </a:stretch>
+        </p:blipFill>
+        <p:spPr>
+          <a:xfrm>
+            <a:off x="1216358" y="2015820"/>
+            <a:ext cx="3355642" cy="1882772"/>
+          </a:xfrm>
+          <a:prstGeom prst="rect">
+            <a:avLst/>
+          </a:prstGeom>
+        </p:spPr>
+      </p:pic>
+      <p:pic>
+        <p:nvPicPr>
+          <p:cNvPr id="6" name="图片 5">
+            <a:extLst>
+              <a:ext uri="{FF2B5EF4-FFF2-40B4-BE49-F238E27FC236}">
+                <a16:creationId xmlns:a16="http://schemas.microsoft.com/office/drawing/2014/main" id="{A23290FF-623A-FDF9-3BEC-0CF1BFBFE8DF}"/>
+              </a:ext>
+            </a:extLst>
+          </p:cNvPr>
+          <p:cNvPicPr>
+            <a:picLocks noChangeAspect="1"/>
+          </p:cNvPicPr>
+          <p:nvPr/>
+        </p:nvPicPr>
+        <p:blipFill>
+          <a:blip r:embed="rId4"/>
+          <a:stretch>
+            <a:fillRect/>
+          </a:stretch>
+        </p:blipFill>
+        <p:spPr>
+          <a:xfrm>
+            <a:off x="4572000" y="2015820"/>
+            <a:ext cx="3213352" cy="1882772"/>
+          </a:xfrm>
+          <a:prstGeom prst="rect">
+            <a:avLst/>
+          </a:prstGeom>
+        </p:spPr>
+      </p:pic>
+    </p:spTree>
+    <p:extLst>
+      <p:ext uri="{BB962C8B-B14F-4D97-AF65-F5344CB8AC3E}">
+        <p14:creationId xmlns:p14="http://schemas.microsoft.com/office/powerpoint/2010/main" val="1137350405"/>
+      </p:ext>
+    </p:extLst>
   </p:cSld>
   <p:clrMapOvr>
     <a:masterClrMapping/>
